--- a/DevOps.pptx
+++ b/DevOps.pptx
@@ -6,17 +6,19 @@
   </p:sldMasterIdLst>
   <p:sldIdLst>
     <p:sldId id="256" r:id="rId2"/>
-    <p:sldId id="258" r:id="rId3"/>
-    <p:sldId id="259" r:id="rId4"/>
-    <p:sldId id="260" r:id="rId5"/>
-    <p:sldId id="261" r:id="rId6"/>
-    <p:sldId id="262" r:id="rId7"/>
-    <p:sldId id="263" r:id="rId8"/>
-    <p:sldId id="264" r:id="rId9"/>
-    <p:sldId id="267" r:id="rId10"/>
-    <p:sldId id="266" r:id="rId11"/>
-    <p:sldId id="268" r:id="rId12"/>
-    <p:sldId id="265" r:id="rId13"/>
+    <p:sldId id="269" r:id="rId3"/>
+    <p:sldId id="270" r:id="rId4"/>
+    <p:sldId id="258" r:id="rId5"/>
+    <p:sldId id="259" r:id="rId6"/>
+    <p:sldId id="260" r:id="rId7"/>
+    <p:sldId id="261" r:id="rId8"/>
+    <p:sldId id="262" r:id="rId9"/>
+    <p:sldId id="263" r:id="rId10"/>
+    <p:sldId id="264" r:id="rId11"/>
+    <p:sldId id="267" r:id="rId12"/>
+    <p:sldId id="266" r:id="rId13"/>
+    <p:sldId id="268" r:id="rId14"/>
+    <p:sldId id="265" r:id="rId15"/>
   </p:sldIdLst>
   <p:sldSz cx="12192000" cy="6858000"/>
   <p:notesSz cx="6858000" cy="9144000"/>
@@ -3574,7 +3576,7 @@
                 <a:latin typeface="Poppins" panose="00000500000000000000" pitchFamily="2" charset="0"/>
                 <a:cs typeface="Poppins" panose="00000500000000000000" pitchFamily="2" charset="0"/>
               </a:rPr>
-              <a:t>DevOps Tools?</a:t>
+              <a:t>Netflix: Case Study</a:t>
             </a:r>
             <a:endParaRPr lang="en-IN" sz="5000" b="1" dirty="0">
               <a:solidFill>
@@ -3586,12 +3588,54 @@
           </a:p>
         </p:txBody>
       </p:sp>
+      <p:sp>
+        <p:nvSpPr>
+          <p:cNvPr id="2" name="TextBox 1">
+            <a:extLst>
+              <a:ext uri="{FF2B5EF4-FFF2-40B4-BE49-F238E27FC236}">
+                <a16:creationId xmlns:a16="http://schemas.microsoft.com/office/drawing/2014/main" id="{580B843C-30FD-7E5E-8A3F-01AD955B388A}"/>
+              </a:ext>
+            </a:extLst>
+          </p:cNvPr>
+          <p:cNvSpPr txBox="1"/>
+          <p:nvPr/>
+        </p:nvSpPr>
+        <p:spPr>
+          <a:xfrm>
+            <a:off x="352922" y="1480457"/>
+            <a:ext cx="11125200" cy="830997"/>
+          </a:xfrm>
+          <a:prstGeom prst="rect">
+            <a:avLst/>
+          </a:prstGeom>
+          <a:noFill/>
+        </p:spPr>
+        <p:txBody>
+          <a:bodyPr wrap="square" rtlCol="0">
+            <a:spAutoFit/>
+          </a:bodyPr>
+          <a:lstStyle/>
+          <a:p>
+            <a:r>
+              <a:rPr lang="en-US" sz="2400" dirty="0">
+                <a:latin typeface="Arial" panose="020B0604020202020204" pitchFamily="34" charset="0"/>
+                <a:cs typeface="Arial" panose="020B0604020202020204" pitchFamily="34" charset="0"/>
+              </a:rPr>
+              <a:t>When Netflix got popular it started struggled to maintain high availability, rapid innovation, and top-tier user experience </a:t>
+            </a:r>
+            <a:endParaRPr lang="en-IN" sz="2400" dirty="0">
+              <a:latin typeface="Arial" panose="020B0604020202020204" pitchFamily="34" charset="0"/>
+              <a:cs typeface="Arial" panose="020B0604020202020204" pitchFamily="34" charset="0"/>
+            </a:endParaRPr>
+          </a:p>
+        </p:txBody>
+      </p:sp>
       <p:pic>
         <p:nvPicPr>
-          <p:cNvPr id="3" name="Picture 2" descr="A screenshot of a computer">
-            <a:extLst>
-              <a:ext uri="{FF2B5EF4-FFF2-40B4-BE49-F238E27FC236}">
-                <a16:creationId xmlns:a16="http://schemas.microsoft.com/office/drawing/2014/main" id="{05B2C67F-5731-4D9C-7E14-5DF682DF7064}"/>
+          <p:cNvPr id="6" name="Picture 5" descr="A screenshot of a computer&#10;&#10;Description automatically generated">
+            <a:extLst>
+              <a:ext uri="{FF2B5EF4-FFF2-40B4-BE49-F238E27FC236}">
+                <a16:creationId xmlns:a16="http://schemas.microsoft.com/office/drawing/2014/main" id="{0F4350E1-6D3D-6C86-BDD7-BEF8599018F6}"/>
               </a:ext>
             </a:extLst>
           </p:cNvPr>
@@ -3608,13 +3652,13 @@
               </a:ext>
             </a:extLst>
           </a:blip>
-          <a:srcRect t="23636" b="24216"/>
+          <a:srcRect l="6509" t="23175" r="3544" b="54742"/>
           <a:stretch/>
         </p:blipFill>
         <p:spPr>
           <a:xfrm>
-            <a:off x="952500" y="1910080"/>
-            <a:ext cx="10287000" cy="3576320"/>
+            <a:off x="473812" y="3310819"/>
+            <a:ext cx="6333190" cy="1036581"/>
           </a:xfrm>
           <a:prstGeom prst="rect">
             <a:avLst/>
@@ -3623,10 +3667,10 @@
       </p:pic>
       <p:sp>
         <p:nvSpPr>
-          <p:cNvPr id="4" name="TextBox 3">
-            <a:extLst>
-              <a:ext uri="{FF2B5EF4-FFF2-40B4-BE49-F238E27FC236}">
-                <a16:creationId xmlns:a16="http://schemas.microsoft.com/office/drawing/2014/main" id="{EB5672D2-9A58-582B-0B01-7B44A0A445B6}"/>
+          <p:cNvPr id="7" name="TextBox 6">
+            <a:extLst>
+              <a:ext uri="{FF2B5EF4-FFF2-40B4-BE49-F238E27FC236}">
+                <a16:creationId xmlns:a16="http://schemas.microsoft.com/office/drawing/2014/main" id="{C3382F73-EBFD-47BD-344C-23702760713E}"/>
               </a:ext>
             </a:extLst>
           </p:cNvPr>
@@ -3635,8 +3679,8 @@
         </p:nvSpPr>
         <p:spPr>
           <a:xfrm>
-            <a:off x="1148080" y="5301734"/>
-            <a:ext cx="1002197" cy="369332"/>
+            <a:off x="141514" y="2800598"/>
+            <a:ext cx="4038600" cy="400110"/>
           </a:xfrm>
           <a:prstGeom prst="rect">
             <a:avLst/>
@@ -3644,239 +3688,100 @@
           <a:noFill/>
         </p:spPr>
         <p:txBody>
-          <a:bodyPr wrap="none" rtlCol="0">
+          <a:bodyPr wrap="square" rtlCol="0">
             <a:spAutoFit/>
           </a:bodyPr>
           <a:lstStyle/>
           <a:p>
-            <a:r>
-              <a:rPr lang="en-US" b="1" dirty="0">
+            <a:pPr algn="ctr"/>
+            <a:r>
+              <a:rPr lang="en-US" sz="2000" b="1" dirty="0">
                 <a:latin typeface="Poppins" panose="00000500000000000000" pitchFamily="2" charset="0"/>
                 <a:cs typeface="Poppins" panose="00000500000000000000" pitchFamily="2" charset="0"/>
               </a:rPr>
-              <a:t>GitHub</a:t>
-            </a:r>
-            <a:endParaRPr lang="en-IN" b="1" dirty="0">
+              <a:t>Challenges faced by Netflix</a:t>
+            </a:r>
+            <a:endParaRPr lang="en-IN" sz="2000" b="1" dirty="0">
               <a:latin typeface="Poppins" panose="00000500000000000000" pitchFamily="2" charset="0"/>
               <a:cs typeface="Poppins" panose="00000500000000000000" pitchFamily="2" charset="0"/>
             </a:endParaRPr>
           </a:p>
         </p:txBody>
       </p:sp>
-      <p:sp>
-        <p:nvSpPr>
-          <p:cNvPr id="5" name="TextBox 4">
-            <a:extLst>
-              <a:ext uri="{FF2B5EF4-FFF2-40B4-BE49-F238E27FC236}">
-                <a16:creationId xmlns:a16="http://schemas.microsoft.com/office/drawing/2014/main" id="{A65C2237-EAEB-53C7-16B0-309EDD81BDA6}"/>
-              </a:ext>
-            </a:extLst>
-          </p:cNvPr>
-          <p:cNvSpPr txBox="1"/>
+      <p:pic>
+        <p:nvPicPr>
+          <p:cNvPr id="9" name="Picture 8" descr="A screenshot of a computer&#10;&#10;Description automatically generated">
+            <a:extLst>
+              <a:ext uri="{FF2B5EF4-FFF2-40B4-BE49-F238E27FC236}">
+                <a16:creationId xmlns:a16="http://schemas.microsoft.com/office/drawing/2014/main" id="{BD1950E4-61E7-4842-7AB2-F45B497F8AFD}"/>
+              </a:ext>
+            </a:extLst>
+          </p:cNvPr>
+          <p:cNvPicPr>
+            <a:picLocks noChangeAspect="1"/>
+          </p:cNvPicPr>
           <p:nvPr/>
-        </p:nvSpPr>
-        <p:spPr>
-          <a:xfrm>
-            <a:off x="2743200" y="5301734"/>
-            <a:ext cx="1067921" cy="369332"/>
+        </p:nvPicPr>
+        <p:blipFill>
+          <a:blip r:embed="rId2">
+            <a:extLst>
+              <a:ext uri="{28A0092B-C50C-407E-A947-70E740481C1C}">
+                <a14:useLocalDpi xmlns:a14="http://schemas.microsoft.com/office/drawing/2010/main" val="0"/>
+              </a:ext>
+            </a:extLst>
+          </a:blip>
+          <a:srcRect l="8624" t="46671" r="13598" b="33704"/>
+          <a:stretch/>
+        </p:blipFill>
+        <p:spPr>
+          <a:xfrm>
+            <a:off x="578373" y="4432615"/>
+            <a:ext cx="5914956" cy="994948"/>
           </a:xfrm>
           <a:prstGeom prst="rect">
             <a:avLst/>
           </a:prstGeom>
-          <a:noFill/>
-        </p:spPr>
-        <p:txBody>
-          <a:bodyPr wrap="none" rtlCol="0">
-            <a:spAutoFit/>
-          </a:bodyPr>
-          <a:lstStyle/>
-          <a:p>
-            <a:r>
-              <a:rPr lang="en-US" b="1" dirty="0">
-                <a:latin typeface="Poppins" panose="00000500000000000000" pitchFamily="2" charset="0"/>
-                <a:cs typeface="Poppins" panose="00000500000000000000" pitchFamily="2" charset="0"/>
-              </a:rPr>
-              <a:t>Vscode</a:t>
-            </a:r>
-            <a:endParaRPr lang="en-IN" b="1" dirty="0">
-              <a:latin typeface="Poppins" panose="00000500000000000000" pitchFamily="2" charset="0"/>
-              <a:cs typeface="Poppins" panose="00000500000000000000" pitchFamily="2" charset="0"/>
-            </a:endParaRPr>
-          </a:p>
-        </p:txBody>
-      </p:sp>
-      <p:sp>
-        <p:nvSpPr>
-          <p:cNvPr id="6" name="TextBox 5">
-            <a:extLst>
-              <a:ext uri="{FF2B5EF4-FFF2-40B4-BE49-F238E27FC236}">
-                <a16:creationId xmlns:a16="http://schemas.microsoft.com/office/drawing/2014/main" id="{17535369-78A0-9316-116E-1370424077C6}"/>
-              </a:ext>
-            </a:extLst>
-          </p:cNvPr>
-          <p:cNvSpPr txBox="1"/>
+        </p:spPr>
+      </p:pic>
+      <p:pic>
+        <p:nvPicPr>
+          <p:cNvPr id="10" name="Picture 9" descr="A screenshot of a computer&#10;&#10;Description automatically generated">
+            <a:extLst>
+              <a:ext uri="{FF2B5EF4-FFF2-40B4-BE49-F238E27FC236}">
+                <a16:creationId xmlns:a16="http://schemas.microsoft.com/office/drawing/2014/main" id="{0FDCA3BC-7D65-DA2E-AE9A-02F9C2964729}"/>
+              </a:ext>
+            </a:extLst>
+          </p:cNvPr>
+          <p:cNvPicPr>
+            <a:picLocks noChangeAspect="1"/>
+          </p:cNvPicPr>
           <p:nvPr/>
-        </p:nvSpPr>
-        <p:spPr>
-          <a:xfrm>
-            <a:off x="4542004" y="5299948"/>
-            <a:ext cx="1109599" cy="369332"/>
+        </p:nvPicPr>
+        <p:blipFill>
+          <a:blip r:embed="rId2">
+            <a:extLst>
+              <a:ext uri="{28A0092B-C50C-407E-A947-70E740481C1C}">
+                <a14:useLocalDpi xmlns:a14="http://schemas.microsoft.com/office/drawing/2010/main" val="0"/>
+              </a:ext>
+            </a:extLst>
+          </a:blip>
+          <a:srcRect l="5029" t="67311" r="5025" b="5530"/>
+          <a:stretch/>
+        </p:blipFill>
+        <p:spPr>
+          <a:xfrm>
+            <a:off x="385585" y="5512778"/>
+            <a:ext cx="6124073" cy="1232778"/>
           </a:xfrm>
           <a:prstGeom prst="rect">
             <a:avLst/>
           </a:prstGeom>
-          <a:noFill/>
-        </p:spPr>
-        <p:txBody>
-          <a:bodyPr wrap="none" rtlCol="0">
-            <a:spAutoFit/>
-          </a:bodyPr>
-          <a:lstStyle/>
-          <a:p>
-            <a:r>
-              <a:rPr lang="en-US" b="1" dirty="0">
-                <a:latin typeface="Poppins" panose="00000500000000000000" pitchFamily="2" charset="0"/>
-                <a:cs typeface="Poppins" panose="00000500000000000000" pitchFamily="2" charset="0"/>
-              </a:rPr>
-              <a:t>Jenkins</a:t>
-            </a:r>
-            <a:endParaRPr lang="en-IN" b="1" dirty="0">
-              <a:latin typeface="Poppins" panose="00000500000000000000" pitchFamily="2" charset="0"/>
-              <a:cs typeface="Poppins" panose="00000500000000000000" pitchFamily="2" charset="0"/>
-            </a:endParaRPr>
-          </a:p>
-        </p:txBody>
-      </p:sp>
-      <p:sp>
-        <p:nvSpPr>
-          <p:cNvPr id="7" name="TextBox 6">
-            <a:extLst>
-              <a:ext uri="{FF2B5EF4-FFF2-40B4-BE49-F238E27FC236}">
-                <a16:creationId xmlns:a16="http://schemas.microsoft.com/office/drawing/2014/main" id="{CAC5721B-9C5D-8E28-2C87-F463B040DD23}"/>
-              </a:ext>
-            </a:extLst>
-          </p:cNvPr>
-          <p:cNvSpPr txBox="1"/>
-          <p:nvPr/>
-        </p:nvSpPr>
-        <p:spPr>
-          <a:xfrm>
-            <a:off x="6096000" y="5286216"/>
-            <a:ext cx="1301959" cy="369332"/>
-          </a:xfrm>
-          <a:prstGeom prst="rect">
-            <a:avLst/>
-          </a:prstGeom>
-          <a:noFill/>
-        </p:spPr>
-        <p:txBody>
-          <a:bodyPr wrap="none" rtlCol="0">
-            <a:spAutoFit/>
-          </a:bodyPr>
-          <a:lstStyle/>
-          <a:p>
-            <a:r>
-              <a:rPr lang="en-US" b="1" dirty="0">
-                <a:latin typeface="Poppins" panose="00000500000000000000" pitchFamily="2" charset="0"/>
-                <a:cs typeface="Poppins" panose="00000500000000000000" pitchFamily="2" charset="0"/>
-              </a:rPr>
-              <a:t>Selenium</a:t>
-            </a:r>
-            <a:endParaRPr lang="en-IN" b="1" dirty="0">
-              <a:latin typeface="Poppins" panose="00000500000000000000" pitchFamily="2" charset="0"/>
-              <a:cs typeface="Poppins" panose="00000500000000000000" pitchFamily="2" charset="0"/>
-            </a:endParaRPr>
-          </a:p>
-        </p:txBody>
-      </p:sp>
-      <p:sp>
-        <p:nvSpPr>
-          <p:cNvPr id="8" name="TextBox 7">
-            <a:extLst>
-              <a:ext uri="{FF2B5EF4-FFF2-40B4-BE49-F238E27FC236}">
-                <a16:creationId xmlns:a16="http://schemas.microsoft.com/office/drawing/2014/main" id="{B333B0BC-CE05-6537-C356-D1FCBF696995}"/>
-              </a:ext>
-            </a:extLst>
-          </p:cNvPr>
-          <p:cNvSpPr txBox="1"/>
-          <p:nvPr/>
-        </p:nvSpPr>
-        <p:spPr>
-          <a:xfrm>
-            <a:off x="7996842" y="5299948"/>
-            <a:ext cx="1024639" cy="369332"/>
-          </a:xfrm>
-          <a:prstGeom prst="rect">
-            <a:avLst/>
-          </a:prstGeom>
-          <a:noFill/>
-        </p:spPr>
-        <p:txBody>
-          <a:bodyPr wrap="none" rtlCol="0">
-            <a:spAutoFit/>
-          </a:bodyPr>
-          <a:lstStyle/>
-          <a:p>
-            <a:r>
-              <a:rPr lang="en-US" b="1" dirty="0">
-                <a:latin typeface="Poppins" panose="00000500000000000000" pitchFamily="2" charset="0"/>
-                <a:cs typeface="Poppins" panose="00000500000000000000" pitchFamily="2" charset="0"/>
-              </a:rPr>
-              <a:t>Docker</a:t>
-            </a:r>
-            <a:endParaRPr lang="en-IN" b="1" dirty="0">
-              <a:latin typeface="Poppins" panose="00000500000000000000" pitchFamily="2" charset="0"/>
-              <a:cs typeface="Poppins" panose="00000500000000000000" pitchFamily="2" charset="0"/>
-            </a:endParaRPr>
-          </a:p>
-        </p:txBody>
-      </p:sp>
-      <p:sp>
-        <p:nvSpPr>
-          <p:cNvPr id="9" name="TextBox 8">
-            <a:extLst>
-              <a:ext uri="{FF2B5EF4-FFF2-40B4-BE49-F238E27FC236}">
-                <a16:creationId xmlns:a16="http://schemas.microsoft.com/office/drawing/2014/main" id="{AF3CCD1A-525A-5A2E-743A-4B61F447C51F}"/>
-              </a:ext>
-            </a:extLst>
-          </p:cNvPr>
-          <p:cNvSpPr txBox="1"/>
-          <p:nvPr/>
-        </p:nvSpPr>
-        <p:spPr>
-          <a:xfrm>
-            <a:off x="9464524" y="5286216"/>
-            <a:ext cx="1015021" cy="369332"/>
-          </a:xfrm>
-          <a:prstGeom prst="rect">
-            <a:avLst/>
-          </a:prstGeom>
-          <a:noFill/>
-        </p:spPr>
-        <p:txBody>
-          <a:bodyPr wrap="none" rtlCol="0">
-            <a:spAutoFit/>
-          </a:bodyPr>
-          <a:lstStyle/>
-          <a:p>
-            <a:r>
-              <a:rPr lang="en-US" b="1" dirty="0">
-                <a:latin typeface="Poppins" panose="00000500000000000000" pitchFamily="2" charset="0"/>
-                <a:cs typeface="Poppins" panose="00000500000000000000" pitchFamily="2" charset="0"/>
-              </a:rPr>
-              <a:t>Nagios</a:t>
-            </a:r>
-            <a:endParaRPr lang="en-IN" b="1" dirty="0">
-              <a:latin typeface="Poppins" panose="00000500000000000000" pitchFamily="2" charset="0"/>
-              <a:cs typeface="Poppins" panose="00000500000000000000" pitchFamily="2" charset="0"/>
-            </a:endParaRPr>
-          </a:p>
-        </p:txBody>
-      </p:sp>
+        </p:spPr>
+      </p:pic>
     </p:spTree>
     <p:extLst>
       <p:ext uri="{BB962C8B-B14F-4D97-AF65-F5344CB8AC3E}">
-        <p14:creationId xmlns:p14="http://schemas.microsoft.com/office/powerpoint/2010/main" val="2554096727"/>
+        <p14:creationId xmlns:p14="http://schemas.microsoft.com/office/powerpoint/2010/main" val="2386821568"/>
       </p:ext>
     </p:extLst>
   </p:cSld>
@@ -3971,7 +3876,7 @@
                 <a:latin typeface="Poppins" panose="00000500000000000000" pitchFamily="2" charset="0"/>
                 <a:cs typeface="Poppins" panose="00000500000000000000" pitchFamily="2" charset="0"/>
               </a:rPr>
-              <a:t>DevOps Tools?</a:t>
+              <a:t>After Implementing DevOps:</a:t>
             </a:r>
             <a:endParaRPr lang="en-IN" sz="5000" b="1" dirty="0">
               <a:solidFill>
@@ -3983,12 +3888,163 @@
           </a:p>
         </p:txBody>
       </p:sp>
+      <p:sp>
+        <p:nvSpPr>
+          <p:cNvPr id="3" name="TextBox 2">
+            <a:extLst>
+              <a:ext uri="{FF2B5EF4-FFF2-40B4-BE49-F238E27FC236}">
+                <a16:creationId xmlns:a16="http://schemas.microsoft.com/office/drawing/2014/main" id="{E03F8917-E61E-AB1A-82AA-B15FD059F028}"/>
+              </a:ext>
+            </a:extLst>
+          </p:cNvPr>
+          <p:cNvSpPr txBox="1"/>
+          <p:nvPr/>
+        </p:nvSpPr>
+        <p:spPr>
+          <a:xfrm>
+            <a:off x="1488189" y="1795358"/>
+            <a:ext cx="9215621" cy="4401205"/>
+          </a:xfrm>
+          <a:prstGeom prst="rect">
+            <a:avLst/>
+          </a:prstGeom>
+          <a:noFill/>
+        </p:spPr>
+        <p:txBody>
+          <a:bodyPr wrap="square">
+            <a:spAutoFit/>
+          </a:bodyPr>
+          <a:lstStyle/>
+          <a:p>
+            <a:r>
+              <a:rPr lang="en-US" sz="2000" b="1" dirty="0">
+                <a:latin typeface="Poppins" panose="00000500000000000000" pitchFamily="2" charset="0"/>
+                <a:cs typeface="Poppins" panose="00000500000000000000" pitchFamily="2" charset="0"/>
+              </a:rPr>
+              <a:t>High Availability &amp; Reliability- </a:t>
+            </a:r>
+            <a:r>
+              <a:rPr lang="en-US" sz="2000" dirty="0"/>
+              <a:t>They're online 99.99% of the time</a:t>
+            </a:r>
+          </a:p>
+          <a:p>
+            <a:endParaRPr lang="en-US" sz="2000" b="1" dirty="0">
+              <a:latin typeface="Poppins" panose="00000500000000000000" pitchFamily="2" charset="0"/>
+              <a:cs typeface="Poppins" panose="00000500000000000000" pitchFamily="2" charset="0"/>
+            </a:endParaRPr>
+          </a:p>
+          <a:p>
+            <a:endParaRPr lang="en-US" sz="2000" b="1" dirty="0">
+              <a:latin typeface="Poppins" panose="00000500000000000000" pitchFamily="2" charset="0"/>
+              <a:cs typeface="Poppins" panose="00000500000000000000" pitchFamily="2" charset="0"/>
+            </a:endParaRPr>
+          </a:p>
+          <a:p>
+            <a:endParaRPr lang="en-US" sz="2000" b="1" dirty="0">
+              <a:latin typeface="Poppins" panose="00000500000000000000" pitchFamily="2" charset="0"/>
+              <a:cs typeface="Poppins" panose="00000500000000000000" pitchFamily="2" charset="0"/>
+            </a:endParaRPr>
+          </a:p>
+          <a:p>
+            <a:r>
+              <a:rPr lang="en-US" sz="2000" b="1" dirty="0">
+                <a:latin typeface="Poppins" panose="00000500000000000000" pitchFamily="2" charset="0"/>
+                <a:cs typeface="Poppins" panose="00000500000000000000" pitchFamily="2" charset="0"/>
+              </a:rPr>
+              <a:t>Faster Deployments - </a:t>
+            </a:r>
+            <a:r>
+              <a:rPr lang="en-US" sz="2000" dirty="0"/>
+              <a:t>They fix 1000’s of bugs and launch updates everyday</a:t>
+            </a:r>
+            <a:endParaRPr lang="en-IN" sz="2000" dirty="0"/>
+          </a:p>
+          <a:p>
+            <a:endParaRPr lang="en-US" sz="2000" b="1" dirty="0">
+              <a:latin typeface="Poppins" panose="00000500000000000000" pitchFamily="2" charset="0"/>
+              <a:cs typeface="Poppins" panose="00000500000000000000" pitchFamily="2" charset="0"/>
+            </a:endParaRPr>
+          </a:p>
+          <a:p>
+            <a:endParaRPr lang="en-US" sz="2000" b="1" dirty="0">
+              <a:latin typeface="Poppins" panose="00000500000000000000" pitchFamily="2" charset="0"/>
+              <a:cs typeface="Poppins" panose="00000500000000000000" pitchFamily="2" charset="0"/>
+            </a:endParaRPr>
+          </a:p>
+          <a:p>
+            <a:r>
+              <a:rPr lang="en-US" sz="2000" b="1" dirty="0">
+                <a:latin typeface="Poppins" panose="00000500000000000000" pitchFamily="2" charset="0"/>
+                <a:cs typeface="Poppins" panose="00000500000000000000" pitchFamily="2" charset="0"/>
+              </a:rPr>
+              <a:t>Improved Scalability- </a:t>
+            </a:r>
+            <a:r>
+              <a:rPr lang="en-US" sz="2000" dirty="0"/>
+              <a:t>Netflix can handle millions of users streaming at the </a:t>
+            </a:r>
+          </a:p>
+          <a:p>
+            <a:r>
+              <a:rPr lang="en-US" sz="2000" dirty="0"/>
+              <a:t>same time</a:t>
+            </a:r>
+            <a:endParaRPr lang="en-US" sz="2000" b="1" dirty="0">
+              <a:latin typeface="Poppins" panose="00000500000000000000" pitchFamily="2" charset="0"/>
+              <a:cs typeface="Poppins" panose="00000500000000000000" pitchFamily="2" charset="0"/>
+            </a:endParaRPr>
+          </a:p>
+          <a:p>
+            <a:endParaRPr lang="en-US" sz="2000" b="1" dirty="0">
+              <a:latin typeface="Poppins" panose="00000500000000000000" pitchFamily="2" charset="0"/>
+              <a:cs typeface="Poppins" panose="00000500000000000000" pitchFamily="2" charset="0"/>
+            </a:endParaRPr>
+          </a:p>
+          <a:p>
+            <a:endParaRPr lang="en-US" sz="2000" b="1" dirty="0">
+              <a:latin typeface="Poppins" panose="00000500000000000000" pitchFamily="2" charset="0"/>
+              <a:cs typeface="Poppins" panose="00000500000000000000" pitchFamily="2" charset="0"/>
+            </a:endParaRPr>
+          </a:p>
+          <a:p>
+            <a:r>
+              <a:rPr lang="en-US" sz="2000" b="1" dirty="0">
+                <a:latin typeface="Poppins" panose="00000500000000000000" pitchFamily="2" charset="0"/>
+                <a:cs typeface="Poppins" panose="00000500000000000000" pitchFamily="2" charset="0"/>
+              </a:rPr>
+              <a:t>Better User Experience- </a:t>
+            </a:r>
+            <a:r>
+              <a:rPr lang="en-US" sz="2000" dirty="0"/>
+              <a:t>Users rarely face issues and if they do, Netflix fixes </a:t>
+            </a:r>
+          </a:p>
+          <a:p>
+            <a:r>
+              <a:rPr lang="en-US" sz="2000" dirty="0"/>
+              <a:t>them on the go using </a:t>
+            </a:r>
+            <a:r>
+              <a:rPr lang="en-US" sz="2000" b="1" dirty="0"/>
+              <a:t>DevOps</a:t>
+            </a:r>
+            <a:endParaRPr lang="en-IN" sz="2000" b="1" dirty="0"/>
+          </a:p>
+          <a:p>
+            <a:endParaRPr lang="en-US" sz="2000" b="1" dirty="0">
+              <a:latin typeface="Poppins" panose="00000500000000000000" pitchFamily="2" charset="0"/>
+              <a:cs typeface="Poppins" panose="00000500000000000000" pitchFamily="2" charset="0"/>
+            </a:endParaRPr>
+          </a:p>
+        </p:txBody>
+      </p:sp>
       <p:pic>
         <p:nvPicPr>
-          <p:cNvPr id="3" name="Picture 2" descr="A screenshot of a computer">
-            <a:extLst>
-              <a:ext uri="{FF2B5EF4-FFF2-40B4-BE49-F238E27FC236}">
-                <a16:creationId xmlns:a16="http://schemas.microsoft.com/office/drawing/2014/main" id="{05B2C67F-5731-4D9C-7E14-5DF682DF7064}"/>
+          <p:cNvPr id="9" name="Graphic 8" descr="Speedometer Low with solid fill">
+            <a:extLst>
+              <a:ext uri="{FF2B5EF4-FFF2-40B4-BE49-F238E27FC236}">
+                <a16:creationId xmlns:a16="http://schemas.microsoft.com/office/drawing/2014/main" id="{8DBE4C81-1944-E32F-1272-C23C36035D24}"/>
               </a:ext>
             </a:extLst>
           </p:cNvPr>
@@ -4000,280 +4056,173 @@
         <p:blipFill>
           <a:blip r:embed="rId2">
             <a:extLst>
-              <a:ext uri="{28A0092B-C50C-407E-A947-70E740481C1C}">
-                <a14:useLocalDpi xmlns:a14="http://schemas.microsoft.com/office/drawing/2010/main" val="0"/>
+              <a:ext uri="{96DAC541-7B7A-43D3-8B79-37D633B846F1}">
+                <asvg:svgBlip xmlns:asvg="http://schemas.microsoft.com/office/drawing/2016/SVG/main" r:embed="rId3"/>
               </a:ext>
             </a:extLst>
           </a:blip>
-          <a:srcRect t="23636" b="24216"/>
-          <a:stretch/>
+          <a:stretch>
+            <a:fillRect/>
+          </a:stretch>
         </p:blipFill>
         <p:spPr>
           <a:xfrm>
-            <a:off x="952500" y="1910080"/>
-            <a:ext cx="10287000" cy="3576320"/>
+            <a:off x="573790" y="2623457"/>
+            <a:ext cx="803966" cy="803966"/>
           </a:xfrm>
           <a:prstGeom prst="rect">
             <a:avLst/>
           </a:prstGeom>
         </p:spPr>
       </p:pic>
-      <p:sp>
-        <p:nvSpPr>
-          <p:cNvPr id="4" name="TextBox 3">
-            <a:extLst>
-              <a:ext uri="{FF2B5EF4-FFF2-40B4-BE49-F238E27FC236}">
-                <a16:creationId xmlns:a16="http://schemas.microsoft.com/office/drawing/2014/main" id="{EB5672D2-9A58-582B-0B01-7B44A0A445B6}"/>
-              </a:ext>
-            </a:extLst>
-          </p:cNvPr>
-          <p:cNvSpPr txBox="1"/>
+      <p:pic>
+        <p:nvPicPr>
+          <p:cNvPr id="14" name="Graphic 13" descr="Thumbs up sign with solid fill">
+            <a:extLst>
+              <a:ext uri="{FF2B5EF4-FFF2-40B4-BE49-F238E27FC236}">
+                <a16:creationId xmlns:a16="http://schemas.microsoft.com/office/drawing/2014/main" id="{9C9B7E72-D846-EC4F-FD2E-E74947D66D85}"/>
+              </a:ext>
+            </a:extLst>
+          </p:cNvPr>
+          <p:cNvPicPr>
+            <a:picLocks noChangeAspect="1"/>
+          </p:cNvPicPr>
           <p:nvPr/>
-        </p:nvSpPr>
-        <p:spPr>
-          <a:xfrm>
-            <a:off x="1148080" y="5301734"/>
-            <a:ext cx="1002197" cy="369332"/>
+        </p:nvPicPr>
+        <p:blipFill>
+          <a:blip r:embed="rId4">
+            <a:extLst>
+              <a:ext uri="{96DAC541-7B7A-43D3-8B79-37D633B846F1}">
+                <asvg:svgBlip xmlns:asvg="http://schemas.microsoft.com/office/drawing/2016/SVG/main" r:embed="rId5"/>
+              </a:ext>
+            </a:extLst>
+          </a:blip>
+          <a:stretch>
+            <a:fillRect/>
+          </a:stretch>
+        </p:blipFill>
+        <p:spPr>
+          <a:xfrm>
+            <a:off x="573790" y="1448592"/>
+            <a:ext cx="803966" cy="803966"/>
           </a:xfrm>
           <a:prstGeom prst="rect">
             <a:avLst/>
           </a:prstGeom>
-          <a:noFill/>
-        </p:spPr>
-        <p:txBody>
-          <a:bodyPr wrap="none" rtlCol="0">
-            <a:spAutoFit/>
-          </a:bodyPr>
-          <a:lstStyle/>
-          <a:p>
-            <a:r>
-              <a:rPr lang="en-US" b="1" dirty="0">
-                <a:latin typeface="Poppins" panose="00000500000000000000" pitchFamily="2" charset="0"/>
-                <a:cs typeface="Poppins" panose="00000500000000000000" pitchFamily="2" charset="0"/>
-              </a:rPr>
-              <a:t>GitHub</a:t>
-            </a:r>
-            <a:endParaRPr lang="en-IN" b="1" dirty="0">
-              <a:latin typeface="Poppins" panose="00000500000000000000" pitchFamily="2" charset="0"/>
-              <a:cs typeface="Poppins" panose="00000500000000000000" pitchFamily="2" charset="0"/>
-            </a:endParaRPr>
-          </a:p>
-        </p:txBody>
-      </p:sp>
-      <p:sp>
-        <p:nvSpPr>
-          <p:cNvPr id="5" name="TextBox 4">
-            <a:extLst>
-              <a:ext uri="{FF2B5EF4-FFF2-40B4-BE49-F238E27FC236}">
-                <a16:creationId xmlns:a16="http://schemas.microsoft.com/office/drawing/2014/main" id="{A65C2237-EAEB-53C7-16B0-309EDD81BDA6}"/>
-              </a:ext>
-            </a:extLst>
-          </p:cNvPr>
-          <p:cNvSpPr txBox="1"/>
+        </p:spPr>
+      </p:pic>
+      <p:pic>
+        <p:nvPicPr>
+          <p:cNvPr id="16" name="Graphic 15" descr="Box with solid fill">
+            <a:extLst>
+              <a:ext uri="{FF2B5EF4-FFF2-40B4-BE49-F238E27FC236}">
+                <a16:creationId xmlns:a16="http://schemas.microsoft.com/office/drawing/2014/main" id="{4C739293-2585-4119-80D8-9301CBB6C501}"/>
+              </a:ext>
+            </a:extLst>
+          </p:cNvPr>
+          <p:cNvPicPr>
+            <a:picLocks noChangeAspect="1"/>
+          </p:cNvPicPr>
           <p:nvPr/>
-        </p:nvSpPr>
-        <p:spPr>
-          <a:xfrm>
-            <a:off x="2743200" y="5301734"/>
-            <a:ext cx="1067921" cy="369332"/>
+        </p:nvPicPr>
+        <p:blipFill>
+          <a:blip r:embed="rId6">
+            <a:extLst>
+              <a:ext uri="{96DAC541-7B7A-43D3-8B79-37D633B846F1}">
+                <asvg:svgBlip xmlns:asvg="http://schemas.microsoft.com/office/drawing/2016/SVG/main" r:embed="rId7"/>
+              </a:ext>
+            </a:extLst>
+          </a:blip>
+          <a:stretch>
+            <a:fillRect/>
+          </a:stretch>
+        </p:blipFill>
+        <p:spPr>
+          <a:xfrm>
+            <a:off x="625065" y="3798322"/>
+            <a:ext cx="803966" cy="803966"/>
           </a:xfrm>
           <a:prstGeom prst="rect">
             <a:avLst/>
           </a:prstGeom>
-          <a:noFill/>
-        </p:spPr>
-        <p:txBody>
-          <a:bodyPr wrap="none" rtlCol="0">
-            <a:spAutoFit/>
-          </a:bodyPr>
-          <a:lstStyle/>
-          <a:p>
-            <a:r>
-              <a:rPr lang="en-US" b="1" dirty="0">
-                <a:latin typeface="Poppins" panose="00000500000000000000" pitchFamily="2" charset="0"/>
-                <a:cs typeface="Poppins" panose="00000500000000000000" pitchFamily="2" charset="0"/>
-              </a:rPr>
-              <a:t>Vscode</a:t>
-            </a:r>
-            <a:endParaRPr lang="en-IN" b="1" dirty="0">
-              <a:latin typeface="Poppins" panose="00000500000000000000" pitchFamily="2" charset="0"/>
-              <a:cs typeface="Poppins" panose="00000500000000000000" pitchFamily="2" charset="0"/>
-            </a:endParaRPr>
-          </a:p>
-        </p:txBody>
-      </p:sp>
-      <p:sp>
-        <p:nvSpPr>
-          <p:cNvPr id="6" name="TextBox 5">
-            <a:extLst>
-              <a:ext uri="{FF2B5EF4-FFF2-40B4-BE49-F238E27FC236}">
-                <a16:creationId xmlns:a16="http://schemas.microsoft.com/office/drawing/2014/main" id="{17535369-78A0-9316-116E-1370424077C6}"/>
-              </a:ext>
-            </a:extLst>
-          </p:cNvPr>
-          <p:cNvSpPr txBox="1"/>
+        </p:spPr>
+      </p:pic>
+      <p:pic>
+        <p:nvPicPr>
+          <p:cNvPr id="18" name="Graphic 17" descr="Arrow Up with solid fill">
+            <a:extLst>
+              <a:ext uri="{FF2B5EF4-FFF2-40B4-BE49-F238E27FC236}">
+                <a16:creationId xmlns:a16="http://schemas.microsoft.com/office/drawing/2014/main" id="{708D680D-9A8A-0743-504A-B1905B493DAE}"/>
+              </a:ext>
+            </a:extLst>
+          </p:cNvPr>
+          <p:cNvPicPr>
+            <a:picLocks noChangeAspect="1"/>
+          </p:cNvPicPr>
           <p:nvPr/>
-        </p:nvSpPr>
-        <p:spPr>
-          <a:xfrm>
-            <a:off x="4542004" y="5299948"/>
-            <a:ext cx="1109599" cy="369332"/>
+        </p:nvPicPr>
+        <p:blipFill>
+          <a:blip r:embed="rId8">
+            <a:extLst>
+              <a:ext uri="{96DAC541-7B7A-43D3-8B79-37D633B846F1}">
+                <asvg:svgBlip xmlns:asvg="http://schemas.microsoft.com/office/drawing/2016/SVG/main" r:embed="rId9"/>
+              </a:ext>
+            </a:extLst>
+          </a:blip>
+          <a:stretch>
+            <a:fillRect/>
+          </a:stretch>
+        </p:blipFill>
+        <p:spPr>
+          <a:xfrm>
+            <a:off x="328563" y="3856937"/>
+            <a:ext cx="569506" cy="686736"/>
           </a:xfrm>
           <a:prstGeom prst="rect">
             <a:avLst/>
           </a:prstGeom>
-          <a:noFill/>
-        </p:spPr>
-        <p:txBody>
-          <a:bodyPr wrap="none" rtlCol="0">
-            <a:spAutoFit/>
-          </a:bodyPr>
-          <a:lstStyle/>
-          <a:p>
-            <a:r>
-              <a:rPr lang="en-US" b="1" dirty="0">
-                <a:latin typeface="Poppins" panose="00000500000000000000" pitchFamily="2" charset="0"/>
-                <a:cs typeface="Poppins" panose="00000500000000000000" pitchFamily="2" charset="0"/>
-              </a:rPr>
-              <a:t>Jenkins</a:t>
-            </a:r>
-            <a:endParaRPr lang="en-IN" b="1" dirty="0">
-              <a:latin typeface="Poppins" panose="00000500000000000000" pitchFamily="2" charset="0"/>
-              <a:cs typeface="Poppins" panose="00000500000000000000" pitchFamily="2" charset="0"/>
-            </a:endParaRPr>
-          </a:p>
-        </p:txBody>
-      </p:sp>
-      <p:sp>
-        <p:nvSpPr>
-          <p:cNvPr id="7" name="TextBox 6">
-            <a:extLst>
-              <a:ext uri="{FF2B5EF4-FFF2-40B4-BE49-F238E27FC236}">
-                <a16:creationId xmlns:a16="http://schemas.microsoft.com/office/drawing/2014/main" id="{CAC5721B-9C5D-8E28-2C87-F463B040DD23}"/>
-              </a:ext>
-            </a:extLst>
-          </p:cNvPr>
-          <p:cNvSpPr txBox="1"/>
+        </p:spPr>
+      </p:pic>
+      <p:pic>
+        <p:nvPicPr>
+          <p:cNvPr id="20" name="Graphic 19" descr="User Crown Male outline">
+            <a:extLst>
+              <a:ext uri="{FF2B5EF4-FFF2-40B4-BE49-F238E27FC236}">
+                <a16:creationId xmlns:a16="http://schemas.microsoft.com/office/drawing/2014/main" id="{C86139F5-3A08-4478-2B70-C64E4A93C74D}"/>
+              </a:ext>
+            </a:extLst>
+          </p:cNvPr>
+          <p:cNvPicPr>
+            <a:picLocks noChangeAspect="1"/>
+          </p:cNvPicPr>
           <p:nvPr/>
-        </p:nvSpPr>
-        <p:spPr>
-          <a:xfrm>
-            <a:off x="6096000" y="5286216"/>
-            <a:ext cx="1301959" cy="369332"/>
+        </p:nvPicPr>
+        <p:blipFill>
+          <a:blip r:embed="rId10">
+            <a:extLst>
+              <a:ext uri="{96DAC541-7B7A-43D3-8B79-37D633B846F1}">
+                <asvg:svgBlip xmlns:asvg="http://schemas.microsoft.com/office/drawing/2016/SVG/main" r:embed="rId11"/>
+              </a:ext>
+            </a:extLst>
+          </a:blip>
+          <a:stretch>
+            <a:fillRect/>
+          </a:stretch>
+        </p:blipFill>
+        <p:spPr>
+          <a:xfrm>
+            <a:off x="573789" y="4973187"/>
+            <a:ext cx="859183" cy="859183"/>
           </a:xfrm>
           <a:prstGeom prst="rect">
             <a:avLst/>
           </a:prstGeom>
-          <a:noFill/>
-        </p:spPr>
-        <p:txBody>
-          <a:bodyPr wrap="none" rtlCol="0">
-            <a:spAutoFit/>
-          </a:bodyPr>
-          <a:lstStyle/>
-          <a:p>
-            <a:r>
-              <a:rPr lang="en-US" b="1" dirty="0">
-                <a:latin typeface="Poppins" panose="00000500000000000000" pitchFamily="2" charset="0"/>
-                <a:cs typeface="Poppins" panose="00000500000000000000" pitchFamily="2" charset="0"/>
-              </a:rPr>
-              <a:t>Selenium</a:t>
-            </a:r>
-            <a:endParaRPr lang="en-IN" b="1" dirty="0">
-              <a:latin typeface="Poppins" panose="00000500000000000000" pitchFamily="2" charset="0"/>
-              <a:cs typeface="Poppins" panose="00000500000000000000" pitchFamily="2" charset="0"/>
-            </a:endParaRPr>
-          </a:p>
-        </p:txBody>
-      </p:sp>
-      <p:sp>
-        <p:nvSpPr>
-          <p:cNvPr id="8" name="TextBox 7">
-            <a:extLst>
-              <a:ext uri="{FF2B5EF4-FFF2-40B4-BE49-F238E27FC236}">
-                <a16:creationId xmlns:a16="http://schemas.microsoft.com/office/drawing/2014/main" id="{B333B0BC-CE05-6537-C356-D1FCBF696995}"/>
-              </a:ext>
-            </a:extLst>
-          </p:cNvPr>
-          <p:cNvSpPr txBox="1"/>
-          <p:nvPr/>
-        </p:nvSpPr>
-        <p:spPr>
-          <a:xfrm>
-            <a:off x="7996842" y="5299948"/>
-            <a:ext cx="1024639" cy="369332"/>
-          </a:xfrm>
-          <a:prstGeom prst="rect">
-            <a:avLst/>
-          </a:prstGeom>
-          <a:noFill/>
-        </p:spPr>
-        <p:txBody>
-          <a:bodyPr wrap="none" rtlCol="0">
-            <a:spAutoFit/>
-          </a:bodyPr>
-          <a:lstStyle/>
-          <a:p>
-            <a:r>
-              <a:rPr lang="en-US" b="1" dirty="0">
-                <a:latin typeface="Poppins" panose="00000500000000000000" pitchFamily="2" charset="0"/>
-                <a:cs typeface="Poppins" panose="00000500000000000000" pitchFamily="2" charset="0"/>
-              </a:rPr>
-              <a:t>Docker</a:t>
-            </a:r>
-            <a:endParaRPr lang="en-IN" b="1" dirty="0">
-              <a:latin typeface="Poppins" panose="00000500000000000000" pitchFamily="2" charset="0"/>
-              <a:cs typeface="Poppins" panose="00000500000000000000" pitchFamily="2" charset="0"/>
-            </a:endParaRPr>
-          </a:p>
-        </p:txBody>
-      </p:sp>
-      <p:sp>
-        <p:nvSpPr>
-          <p:cNvPr id="9" name="TextBox 8">
-            <a:extLst>
-              <a:ext uri="{FF2B5EF4-FFF2-40B4-BE49-F238E27FC236}">
-                <a16:creationId xmlns:a16="http://schemas.microsoft.com/office/drawing/2014/main" id="{AF3CCD1A-525A-5A2E-743A-4B61F447C51F}"/>
-              </a:ext>
-            </a:extLst>
-          </p:cNvPr>
-          <p:cNvSpPr txBox="1"/>
-          <p:nvPr/>
-        </p:nvSpPr>
-        <p:spPr>
-          <a:xfrm>
-            <a:off x="9464524" y="5286216"/>
-            <a:ext cx="1015021" cy="369332"/>
-          </a:xfrm>
-          <a:prstGeom prst="rect">
-            <a:avLst/>
-          </a:prstGeom>
-          <a:noFill/>
-        </p:spPr>
-        <p:txBody>
-          <a:bodyPr wrap="none" rtlCol="0">
-            <a:spAutoFit/>
-          </a:bodyPr>
-          <a:lstStyle/>
-          <a:p>
-            <a:r>
-              <a:rPr lang="en-US" b="1" dirty="0">
-                <a:latin typeface="Poppins" panose="00000500000000000000" pitchFamily="2" charset="0"/>
-                <a:cs typeface="Poppins" panose="00000500000000000000" pitchFamily="2" charset="0"/>
-              </a:rPr>
-              <a:t>Nagios</a:t>
-            </a:r>
-            <a:endParaRPr lang="en-IN" b="1" dirty="0">
-              <a:latin typeface="Poppins" panose="00000500000000000000" pitchFamily="2" charset="0"/>
-              <a:cs typeface="Poppins" panose="00000500000000000000" pitchFamily="2" charset="0"/>
-            </a:endParaRPr>
-          </a:p>
-        </p:txBody>
-      </p:sp>
+        </p:spPr>
+      </p:pic>
     </p:spTree>
     <p:extLst>
       <p:ext uri="{BB962C8B-B14F-4D97-AF65-F5344CB8AC3E}">
-        <p14:creationId xmlns:p14="http://schemas.microsoft.com/office/powerpoint/2010/main" val="1833478158"/>
+        <p14:creationId xmlns:p14="http://schemas.microsoft.com/office/powerpoint/2010/main" val="2131390952"/>
       </p:ext>
     </p:extLst>
   </p:cSld>
@@ -4324,8 +4273,8 @@
         </p:nvSpPr>
         <p:spPr>
           <a:xfrm>
-            <a:off x="381000" y="1279749"/>
-            <a:ext cx="11430000" cy="1393902"/>
+            <a:off x="352922" y="289150"/>
+            <a:ext cx="9487764" cy="1393902"/>
           </a:xfrm>
           <a:prstGeom prst="rect">
             <a:avLst/>
@@ -4355,6 +4304,800 @@
             </a:lvl1pPr>
           </a:lstStyle>
           <a:p>
+            <a:pPr>
+              <a:lnSpc>
+                <a:spcPct val="100000"/>
+              </a:lnSpc>
+            </a:pPr>
+            <a:r>
+              <a:rPr lang="en-US" sz="5000" b="1" dirty="0">
+                <a:solidFill>
+                  <a:srgbClr val="102631"/>
+                </a:solidFill>
+                <a:latin typeface="Poppins" panose="00000500000000000000" pitchFamily="2" charset="0"/>
+                <a:cs typeface="Poppins" panose="00000500000000000000" pitchFamily="2" charset="0"/>
+              </a:rPr>
+              <a:t>DevOps Tools?</a:t>
+            </a:r>
+            <a:endParaRPr lang="en-IN" sz="5000" b="1" dirty="0">
+              <a:solidFill>
+                <a:srgbClr val="102631"/>
+              </a:solidFill>
+              <a:latin typeface="Poppins" panose="00000500000000000000" pitchFamily="2" charset="0"/>
+              <a:cs typeface="Poppins" panose="00000500000000000000" pitchFamily="2" charset="0"/>
+            </a:endParaRPr>
+          </a:p>
+        </p:txBody>
+      </p:sp>
+      <p:pic>
+        <p:nvPicPr>
+          <p:cNvPr id="3" name="Picture 2" descr="A screenshot of a computer">
+            <a:extLst>
+              <a:ext uri="{FF2B5EF4-FFF2-40B4-BE49-F238E27FC236}">
+                <a16:creationId xmlns:a16="http://schemas.microsoft.com/office/drawing/2014/main" id="{05B2C67F-5731-4D9C-7E14-5DF682DF7064}"/>
+              </a:ext>
+            </a:extLst>
+          </p:cNvPr>
+          <p:cNvPicPr>
+            <a:picLocks noChangeAspect="1"/>
+          </p:cNvPicPr>
+          <p:nvPr/>
+        </p:nvPicPr>
+        <p:blipFill>
+          <a:blip r:embed="rId2">
+            <a:extLst>
+              <a:ext uri="{28A0092B-C50C-407E-A947-70E740481C1C}">
+                <a14:useLocalDpi xmlns:a14="http://schemas.microsoft.com/office/drawing/2010/main" val="0"/>
+              </a:ext>
+            </a:extLst>
+          </a:blip>
+          <a:srcRect t="23636" b="24216"/>
+          <a:stretch/>
+        </p:blipFill>
+        <p:spPr>
+          <a:xfrm>
+            <a:off x="952500" y="1910080"/>
+            <a:ext cx="10287000" cy="3576320"/>
+          </a:xfrm>
+          <a:prstGeom prst="rect">
+            <a:avLst/>
+          </a:prstGeom>
+        </p:spPr>
+      </p:pic>
+      <p:sp>
+        <p:nvSpPr>
+          <p:cNvPr id="4" name="TextBox 3">
+            <a:extLst>
+              <a:ext uri="{FF2B5EF4-FFF2-40B4-BE49-F238E27FC236}">
+                <a16:creationId xmlns:a16="http://schemas.microsoft.com/office/drawing/2014/main" id="{EB5672D2-9A58-582B-0B01-7B44A0A445B6}"/>
+              </a:ext>
+            </a:extLst>
+          </p:cNvPr>
+          <p:cNvSpPr txBox="1"/>
+          <p:nvPr/>
+        </p:nvSpPr>
+        <p:spPr>
+          <a:xfrm>
+            <a:off x="1148080" y="5301734"/>
+            <a:ext cx="1002197" cy="369332"/>
+          </a:xfrm>
+          <a:prstGeom prst="rect">
+            <a:avLst/>
+          </a:prstGeom>
+          <a:noFill/>
+        </p:spPr>
+        <p:txBody>
+          <a:bodyPr wrap="none" rtlCol="0">
+            <a:spAutoFit/>
+          </a:bodyPr>
+          <a:lstStyle/>
+          <a:p>
+            <a:r>
+              <a:rPr lang="en-US" b="1" dirty="0">
+                <a:latin typeface="Poppins" panose="00000500000000000000" pitchFamily="2" charset="0"/>
+                <a:cs typeface="Poppins" panose="00000500000000000000" pitchFamily="2" charset="0"/>
+              </a:rPr>
+              <a:t>GitHub</a:t>
+            </a:r>
+            <a:endParaRPr lang="en-IN" b="1" dirty="0">
+              <a:latin typeface="Poppins" panose="00000500000000000000" pitchFamily="2" charset="0"/>
+              <a:cs typeface="Poppins" panose="00000500000000000000" pitchFamily="2" charset="0"/>
+            </a:endParaRPr>
+          </a:p>
+        </p:txBody>
+      </p:sp>
+      <p:sp>
+        <p:nvSpPr>
+          <p:cNvPr id="5" name="TextBox 4">
+            <a:extLst>
+              <a:ext uri="{FF2B5EF4-FFF2-40B4-BE49-F238E27FC236}">
+                <a16:creationId xmlns:a16="http://schemas.microsoft.com/office/drawing/2014/main" id="{A65C2237-EAEB-53C7-16B0-309EDD81BDA6}"/>
+              </a:ext>
+            </a:extLst>
+          </p:cNvPr>
+          <p:cNvSpPr txBox="1"/>
+          <p:nvPr/>
+        </p:nvSpPr>
+        <p:spPr>
+          <a:xfrm>
+            <a:off x="2743200" y="5301734"/>
+            <a:ext cx="1067921" cy="369332"/>
+          </a:xfrm>
+          <a:prstGeom prst="rect">
+            <a:avLst/>
+          </a:prstGeom>
+          <a:noFill/>
+        </p:spPr>
+        <p:txBody>
+          <a:bodyPr wrap="none" rtlCol="0">
+            <a:spAutoFit/>
+          </a:bodyPr>
+          <a:lstStyle/>
+          <a:p>
+            <a:r>
+              <a:rPr lang="en-US" b="1" dirty="0">
+                <a:latin typeface="Poppins" panose="00000500000000000000" pitchFamily="2" charset="0"/>
+                <a:cs typeface="Poppins" panose="00000500000000000000" pitchFamily="2" charset="0"/>
+              </a:rPr>
+              <a:t>Vscode</a:t>
+            </a:r>
+            <a:endParaRPr lang="en-IN" b="1" dirty="0">
+              <a:latin typeface="Poppins" panose="00000500000000000000" pitchFamily="2" charset="0"/>
+              <a:cs typeface="Poppins" panose="00000500000000000000" pitchFamily="2" charset="0"/>
+            </a:endParaRPr>
+          </a:p>
+        </p:txBody>
+      </p:sp>
+      <p:sp>
+        <p:nvSpPr>
+          <p:cNvPr id="6" name="TextBox 5">
+            <a:extLst>
+              <a:ext uri="{FF2B5EF4-FFF2-40B4-BE49-F238E27FC236}">
+                <a16:creationId xmlns:a16="http://schemas.microsoft.com/office/drawing/2014/main" id="{17535369-78A0-9316-116E-1370424077C6}"/>
+              </a:ext>
+            </a:extLst>
+          </p:cNvPr>
+          <p:cNvSpPr txBox="1"/>
+          <p:nvPr/>
+        </p:nvSpPr>
+        <p:spPr>
+          <a:xfrm>
+            <a:off x="4542004" y="5299948"/>
+            <a:ext cx="1109599" cy="369332"/>
+          </a:xfrm>
+          <a:prstGeom prst="rect">
+            <a:avLst/>
+          </a:prstGeom>
+          <a:noFill/>
+        </p:spPr>
+        <p:txBody>
+          <a:bodyPr wrap="none" rtlCol="0">
+            <a:spAutoFit/>
+          </a:bodyPr>
+          <a:lstStyle/>
+          <a:p>
+            <a:r>
+              <a:rPr lang="en-US" b="1" dirty="0">
+                <a:latin typeface="Poppins" panose="00000500000000000000" pitchFamily="2" charset="0"/>
+                <a:cs typeface="Poppins" panose="00000500000000000000" pitchFamily="2" charset="0"/>
+              </a:rPr>
+              <a:t>Jenkins</a:t>
+            </a:r>
+            <a:endParaRPr lang="en-IN" b="1" dirty="0">
+              <a:latin typeface="Poppins" panose="00000500000000000000" pitchFamily="2" charset="0"/>
+              <a:cs typeface="Poppins" panose="00000500000000000000" pitchFamily="2" charset="0"/>
+            </a:endParaRPr>
+          </a:p>
+        </p:txBody>
+      </p:sp>
+      <p:sp>
+        <p:nvSpPr>
+          <p:cNvPr id="7" name="TextBox 6">
+            <a:extLst>
+              <a:ext uri="{FF2B5EF4-FFF2-40B4-BE49-F238E27FC236}">
+                <a16:creationId xmlns:a16="http://schemas.microsoft.com/office/drawing/2014/main" id="{CAC5721B-9C5D-8E28-2C87-F463B040DD23}"/>
+              </a:ext>
+            </a:extLst>
+          </p:cNvPr>
+          <p:cNvSpPr txBox="1"/>
+          <p:nvPr/>
+        </p:nvSpPr>
+        <p:spPr>
+          <a:xfrm>
+            <a:off x="6096000" y="5286216"/>
+            <a:ext cx="1301959" cy="369332"/>
+          </a:xfrm>
+          <a:prstGeom prst="rect">
+            <a:avLst/>
+          </a:prstGeom>
+          <a:noFill/>
+        </p:spPr>
+        <p:txBody>
+          <a:bodyPr wrap="none" rtlCol="0">
+            <a:spAutoFit/>
+          </a:bodyPr>
+          <a:lstStyle/>
+          <a:p>
+            <a:r>
+              <a:rPr lang="en-US" b="1" dirty="0">
+                <a:latin typeface="Poppins" panose="00000500000000000000" pitchFamily="2" charset="0"/>
+                <a:cs typeface="Poppins" panose="00000500000000000000" pitchFamily="2" charset="0"/>
+              </a:rPr>
+              <a:t>Selenium</a:t>
+            </a:r>
+            <a:endParaRPr lang="en-IN" b="1" dirty="0">
+              <a:latin typeface="Poppins" panose="00000500000000000000" pitchFamily="2" charset="0"/>
+              <a:cs typeface="Poppins" panose="00000500000000000000" pitchFamily="2" charset="0"/>
+            </a:endParaRPr>
+          </a:p>
+        </p:txBody>
+      </p:sp>
+      <p:sp>
+        <p:nvSpPr>
+          <p:cNvPr id="8" name="TextBox 7">
+            <a:extLst>
+              <a:ext uri="{FF2B5EF4-FFF2-40B4-BE49-F238E27FC236}">
+                <a16:creationId xmlns:a16="http://schemas.microsoft.com/office/drawing/2014/main" id="{B333B0BC-CE05-6537-C356-D1FCBF696995}"/>
+              </a:ext>
+            </a:extLst>
+          </p:cNvPr>
+          <p:cNvSpPr txBox="1"/>
+          <p:nvPr/>
+        </p:nvSpPr>
+        <p:spPr>
+          <a:xfrm>
+            <a:off x="7996842" y="5299948"/>
+            <a:ext cx="1024639" cy="369332"/>
+          </a:xfrm>
+          <a:prstGeom prst="rect">
+            <a:avLst/>
+          </a:prstGeom>
+          <a:noFill/>
+        </p:spPr>
+        <p:txBody>
+          <a:bodyPr wrap="none" rtlCol="0">
+            <a:spAutoFit/>
+          </a:bodyPr>
+          <a:lstStyle/>
+          <a:p>
+            <a:r>
+              <a:rPr lang="en-US" b="1" dirty="0">
+                <a:latin typeface="Poppins" panose="00000500000000000000" pitchFamily="2" charset="0"/>
+                <a:cs typeface="Poppins" panose="00000500000000000000" pitchFamily="2" charset="0"/>
+              </a:rPr>
+              <a:t>Docker</a:t>
+            </a:r>
+            <a:endParaRPr lang="en-IN" b="1" dirty="0">
+              <a:latin typeface="Poppins" panose="00000500000000000000" pitchFamily="2" charset="0"/>
+              <a:cs typeface="Poppins" panose="00000500000000000000" pitchFamily="2" charset="0"/>
+            </a:endParaRPr>
+          </a:p>
+        </p:txBody>
+      </p:sp>
+      <p:sp>
+        <p:nvSpPr>
+          <p:cNvPr id="9" name="TextBox 8">
+            <a:extLst>
+              <a:ext uri="{FF2B5EF4-FFF2-40B4-BE49-F238E27FC236}">
+                <a16:creationId xmlns:a16="http://schemas.microsoft.com/office/drawing/2014/main" id="{AF3CCD1A-525A-5A2E-743A-4B61F447C51F}"/>
+              </a:ext>
+            </a:extLst>
+          </p:cNvPr>
+          <p:cNvSpPr txBox="1"/>
+          <p:nvPr/>
+        </p:nvSpPr>
+        <p:spPr>
+          <a:xfrm>
+            <a:off x="9464524" y="5286216"/>
+            <a:ext cx="1015021" cy="369332"/>
+          </a:xfrm>
+          <a:prstGeom prst="rect">
+            <a:avLst/>
+          </a:prstGeom>
+          <a:noFill/>
+        </p:spPr>
+        <p:txBody>
+          <a:bodyPr wrap="none" rtlCol="0">
+            <a:spAutoFit/>
+          </a:bodyPr>
+          <a:lstStyle/>
+          <a:p>
+            <a:r>
+              <a:rPr lang="en-US" b="1" dirty="0">
+                <a:latin typeface="Poppins" panose="00000500000000000000" pitchFamily="2" charset="0"/>
+                <a:cs typeface="Poppins" panose="00000500000000000000" pitchFamily="2" charset="0"/>
+              </a:rPr>
+              <a:t>Nagios</a:t>
+            </a:r>
+            <a:endParaRPr lang="en-IN" b="1" dirty="0">
+              <a:latin typeface="Poppins" panose="00000500000000000000" pitchFamily="2" charset="0"/>
+              <a:cs typeface="Poppins" panose="00000500000000000000" pitchFamily="2" charset="0"/>
+            </a:endParaRPr>
+          </a:p>
+        </p:txBody>
+      </p:sp>
+    </p:spTree>
+    <p:extLst>
+      <p:ext uri="{BB962C8B-B14F-4D97-AF65-F5344CB8AC3E}">
+        <p14:creationId xmlns:p14="http://schemas.microsoft.com/office/powerpoint/2010/main" val="2554096727"/>
+      </p:ext>
+    </p:extLst>
+  </p:cSld>
+  <p:clrMapOvr>
+    <a:masterClrMapping/>
+  </p:clrMapOvr>
+</p:sld>
+</file>
+
+<file path=ppt/slides/slide13.xml><?xml version="1.0" encoding="utf-8"?>
+<p:sld xmlns:a="http://schemas.openxmlformats.org/drawingml/2006/main" xmlns:r="http://schemas.openxmlformats.org/officeDocument/2006/relationships" xmlns:p="http://schemas.openxmlformats.org/presentationml/2006/main">
+  <p:cSld>
+    <p:bg>
+      <p:bgPr>
+        <a:solidFill>
+          <a:srgbClr val="FAF3E7"/>
+        </a:solidFill>
+        <a:effectLst/>
+      </p:bgPr>
+    </p:bg>
+    <p:spTree>
+      <p:nvGrpSpPr>
+        <p:cNvPr id="1" name=""/>
+        <p:cNvGrpSpPr/>
+        <p:nvPr/>
+      </p:nvGrpSpPr>
+      <p:grpSpPr>
+        <a:xfrm>
+          <a:off x="0" y="0"/>
+          <a:ext cx="0" cy="0"/>
+          <a:chOff x="0" y="0"/>
+          <a:chExt cx="0" cy="0"/>
+        </a:xfrm>
+      </p:grpSpPr>
+      <p:sp>
+        <p:nvSpPr>
+          <p:cNvPr id="12" name="Title 1">
+            <a:extLst>
+              <a:ext uri="{FF2B5EF4-FFF2-40B4-BE49-F238E27FC236}">
+                <a16:creationId xmlns:a16="http://schemas.microsoft.com/office/drawing/2014/main" id="{47BBE6C2-5AAA-AE35-5060-0C25E0D80244}"/>
+              </a:ext>
+            </a:extLst>
+          </p:cNvPr>
+          <p:cNvSpPr txBox="1">
+            <a:spLocks/>
+          </p:cNvSpPr>
+          <p:nvPr/>
+        </p:nvSpPr>
+        <p:spPr>
+          <a:xfrm>
+            <a:off x="352922" y="289150"/>
+            <a:ext cx="9487764" cy="1393902"/>
+          </a:xfrm>
+          <a:prstGeom prst="rect">
+            <a:avLst/>
+          </a:prstGeom>
+        </p:spPr>
+        <p:txBody>
+          <a:bodyPr vert="horz" lIns="91440" tIns="45720" rIns="91440" bIns="45720" rtlCol="0" anchor="t">
+            <a:normAutofit fontScale="97500"/>
+          </a:bodyPr>
+          <a:lstStyle>
+            <a:lvl1pPr algn="l" defTabSz="914400" rtl="0" eaLnBrk="1" latinLnBrk="0" hangingPunct="1">
+              <a:lnSpc>
+                <a:spcPct val="90000"/>
+              </a:lnSpc>
+              <a:spcBef>
+                <a:spcPct val="0"/>
+              </a:spcBef>
+              <a:buNone/>
+              <a:defRPr sz="4400" kern="1200">
+                <a:solidFill>
+                  <a:schemeClr val="tx1"/>
+                </a:solidFill>
+                <a:latin typeface="+mj-lt"/>
+                <a:ea typeface="+mj-ea"/>
+                <a:cs typeface="+mj-cs"/>
+              </a:defRPr>
+            </a:lvl1pPr>
+          </a:lstStyle>
+          <a:p>
+            <a:pPr>
+              <a:lnSpc>
+                <a:spcPct val="100000"/>
+              </a:lnSpc>
+            </a:pPr>
+            <a:r>
+              <a:rPr lang="en-US" sz="5000" b="1" dirty="0">
+                <a:solidFill>
+                  <a:srgbClr val="102631"/>
+                </a:solidFill>
+                <a:latin typeface="Poppins" panose="00000500000000000000" pitchFamily="2" charset="0"/>
+                <a:cs typeface="Poppins" panose="00000500000000000000" pitchFamily="2" charset="0"/>
+              </a:rPr>
+              <a:t>DevOps Tools?</a:t>
+            </a:r>
+            <a:endParaRPr lang="en-IN" sz="5000" b="1" dirty="0">
+              <a:solidFill>
+                <a:srgbClr val="102631"/>
+              </a:solidFill>
+              <a:latin typeface="Poppins" panose="00000500000000000000" pitchFamily="2" charset="0"/>
+              <a:cs typeface="Poppins" panose="00000500000000000000" pitchFamily="2" charset="0"/>
+            </a:endParaRPr>
+          </a:p>
+        </p:txBody>
+      </p:sp>
+      <p:pic>
+        <p:nvPicPr>
+          <p:cNvPr id="3" name="Picture 2" descr="A screenshot of a computer">
+            <a:extLst>
+              <a:ext uri="{FF2B5EF4-FFF2-40B4-BE49-F238E27FC236}">
+                <a16:creationId xmlns:a16="http://schemas.microsoft.com/office/drawing/2014/main" id="{05B2C67F-5731-4D9C-7E14-5DF682DF7064}"/>
+              </a:ext>
+            </a:extLst>
+          </p:cNvPr>
+          <p:cNvPicPr>
+            <a:picLocks noChangeAspect="1"/>
+          </p:cNvPicPr>
+          <p:nvPr/>
+        </p:nvPicPr>
+        <p:blipFill>
+          <a:blip r:embed="rId2">
+            <a:extLst>
+              <a:ext uri="{28A0092B-C50C-407E-A947-70E740481C1C}">
+                <a14:useLocalDpi xmlns:a14="http://schemas.microsoft.com/office/drawing/2010/main" val="0"/>
+              </a:ext>
+            </a:extLst>
+          </a:blip>
+          <a:srcRect t="23636" b="24216"/>
+          <a:stretch/>
+        </p:blipFill>
+        <p:spPr>
+          <a:xfrm>
+            <a:off x="952500" y="1910080"/>
+            <a:ext cx="10287000" cy="3576320"/>
+          </a:xfrm>
+          <a:prstGeom prst="rect">
+            <a:avLst/>
+          </a:prstGeom>
+        </p:spPr>
+      </p:pic>
+      <p:sp>
+        <p:nvSpPr>
+          <p:cNvPr id="4" name="TextBox 3">
+            <a:extLst>
+              <a:ext uri="{FF2B5EF4-FFF2-40B4-BE49-F238E27FC236}">
+                <a16:creationId xmlns:a16="http://schemas.microsoft.com/office/drawing/2014/main" id="{EB5672D2-9A58-582B-0B01-7B44A0A445B6}"/>
+              </a:ext>
+            </a:extLst>
+          </p:cNvPr>
+          <p:cNvSpPr txBox="1"/>
+          <p:nvPr/>
+        </p:nvSpPr>
+        <p:spPr>
+          <a:xfrm>
+            <a:off x="1148080" y="5301734"/>
+            <a:ext cx="1002197" cy="369332"/>
+          </a:xfrm>
+          <a:prstGeom prst="rect">
+            <a:avLst/>
+          </a:prstGeom>
+          <a:noFill/>
+        </p:spPr>
+        <p:txBody>
+          <a:bodyPr wrap="none" rtlCol="0">
+            <a:spAutoFit/>
+          </a:bodyPr>
+          <a:lstStyle/>
+          <a:p>
+            <a:r>
+              <a:rPr lang="en-US" b="1" dirty="0">
+                <a:latin typeface="Poppins" panose="00000500000000000000" pitchFamily="2" charset="0"/>
+                <a:cs typeface="Poppins" panose="00000500000000000000" pitchFamily="2" charset="0"/>
+              </a:rPr>
+              <a:t>GitHub</a:t>
+            </a:r>
+            <a:endParaRPr lang="en-IN" b="1" dirty="0">
+              <a:latin typeface="Poppins" panose="00000500000000000000" pitchFamily="2" charset="0"/>
+              <a:cs typeface="Poppins" panose="00000500000000000000" pitchFamily="2" charset="0"/>
+            </a:endParaRPr>
+          </a:p>
+        </p:txBody>
+      </p:sp>
+      <p:sp>
+        <p:nvSpPr>
+          <p:cNvPr id="5" name="TextBox 4">
+            <a:extLst>
+              <a:ext uri="{FF2B5EF4-FFF2-40B4-BE49-F238E27FC236}">
+                <a16:creationId xmlns:a16="http://schemas.microsoft.com/office/drawing/2014/main" id="{A65C2237-EAEB-53C7-16B0-309EDD81BDA6}"/>
+              </a:ext>
+            </a:extLst>
+          </p:cNvPr>
+          <p:cNvSpPr txBox="1"/>
+          <p:nvPr/>
+        </p:nvSpPr>
+        <p:spPr>
+          <a:xfrm>
+            <a:off x="2743200" y="5301734"/>
+            <a:ext cx="1067921" cy="369332"/>
+          </a:xfrm>
+          <a:prstGeom prst="rect">
+            <a:avLst/>
+          </a:prstGeom>
+          <a:noFill/>
+        </p:spPr>
+        <p:txBody>
+          <a:bodyPr wrap="none" rtlCol="0">
+            <a:spAutoFit/>
+          </a:bodyPr>
+          <a:lstStyle/>
+          <a:p>
+            <a:r>
+              <a:rPr lang="en-US" b="1" dirty="0">
+                <a:latin typeface="Poppins" panose="00000500000000000000" pitchFamily="2" charset="0"/>
+                <a:cs typeface="Poppins" panose="00000500000000000000" pitchFamily="2" charset="0"/>
+              </a:rPr>
+              <a:t>Vscode</a:t>
+            </a:r>
+            <a:endParaRPr lang="en-IN" b="1" dirty="0">
+              <a:latin typeface="Poppins" panose="00000500000000000000" pitchFamily="2" charset="0"/>
+              <a:cs typeface="Poppins" panose="00000500000000000000" pitchFamily="2" charset="0"/>
+            </a:endParaRPr>
+          </a:p>
+        </p:txBody>
+      </p:sp>
+      <p:sp>
+        <p:nvSpPr>
+          <p:cNvPr id="6" name="TextBox 5">
+            <a:extLst>
+              <a:ext uri="{FF2B5EF4-FFF2-40B4-BE49-F238E27FC236}">
+                <a16:creationId xmlns:a16="http://schemas.microsoft.com/office/drawing/2014/main" id="{17535369-78A0-9316-116E-1370424077C6}"/>
+              </a:ext>
+            </a:extLst>
+          </p:cNvPr>
+          <p:cNvSpPr txBox="1"/>
+          <p:nvPr/>
+        </p:nvSpPr>
+        <p:spPr>
+          <a:xfrm>
+            <a:off x="4542004" y="5299948"/>
+            <a:ext cx="1109599" cy="369332"/>
+          </a:xfrm>
+          <a:prstGeom prst="rect">
+            <a:avLst/>
+          </a:prstGeom>
+          <a:noFill/>
+        </p:spPr>
+        <p:txBody>
+          <a:bodyPr wrap="none" rtlCol="0">
+            <a:spAutoFit/>
+          </a:bodyPr>
+          <a:lstStyle/>
+          <a:p>
+            <a:r>
+              <a:rPr lang="en-US" b="1" dirty="0">
+                <a:latin typeface="Poppins" panose="00000500000000000000" pitchFamily="2" charset="0"/>
+                <a:cs typeface="Poppins" panose="00000500000000000000" pitchFamily="2" charset="0"/>
+              </a:rPr>
+              <a:t>Jenkins</a:t>
+            </a:r>
+            <a:endParaRPr lang="en-IN" b="1" dirty="0">
+              <a:latin typeface="Poppins" panose="00000500000000000000" pitchFamily="2" charset="0"/>
+              <a:cs typeface="Poppins" panose="00000500000000000000" pitchFamily="2" charset="0"/>
+            </a:endParaRPr>
+          </a:p>
+        </p:txBody>
+      </p:sp>
+      <p:sp>
+        <p:nvSpPr>
+          <p:cNvPr id="7" name="TextBox 6">
+            <a:extLst>
+              <a:ext uri="{FF2B5EF4-FFF2-40B4-BE49-F238E27FC236}">
+                <a16:creationId xmlns:a16="http://schemas.microsoft.com/office/drawing/2014/main" id="{CAC5721B-9C5D-8E28-2C87-F463B040DD23}"/>
+              </a:ext>
+            </a:extLst>
+          </p:cNvPr>
+          <p:cNvSpPr txBox="1"/>
+          <p:nvPr/>
+        </p:nvSpPr>
+        <p:spPr>
+          <a:xfrm>
+            <a:off x="6096000" y="5286216"/>
+            <a:ext cx="1301959" cy="369332"/>
+          </a:xfrm>
+          <a:prstGeom prst="rect">
+            <a:avLst/>
+          </a:prstGeom>
+          <a:noFill/>
+        </p:spPr>
+        <p:txBody>
+          <a:bodyPr wrap="none" rtlCol="0">
+            <a:spAutoFit/>
+          </a:bodyPr>
+          <a:lstStyle/>
+          <a:p>
+            <a:r>
+              <a:rPr lang="en-US" b="1" dirty="0">
+                <a:latin typeface="Poppins" panose="00000500000000000000" pitchFamily="2" charset="0"/>
+                <a:cs typeface="Poppins" panose="00000500000000000000" pitchFamily="2" charset="0"/>
+              </a:rPr>
+              <a:t>Selenium</a:t>
+            </a:r>
+            <a:endParaRPr lang="en-IN" b="1" dirty="0">
+              <a:latin typeface="Poppins" panose="00000500000000000000" pitchFamily="2" charset="0"/>
+              <a:cs typeface="Poppins" panose="00000500000000000000" pitchFamily="2" charset="0"/>
+            </a:endParaRPr>
+          </a:p>
+        </p:txBody>
+      </p:sp>
+      <p:sp>
+        <p:nvSpPr>
+          <p:cNvPr id="8" name="TextBox 7">
+            <a:extLst>
+              <a:ext uri="{FF2B5EF4-FFF2-40B4-BE49-F238E27FC236}">
+                <a16:creationId xmlns:a16="http://schemas.microsoft.com/office/drawing/2014/main" id="{B333B0BC-CE05-6537-C356-D1FCBF696995}"/>
+              </a:ext>
+            </a:extLst>
+          </p:cNvPr>
+          <p:cNvSpPr txBox="1"/>
+          <p:nvPr/>
+        </p:nvSpPr>
+        <p:spPr>
+          <a:xfrm>
+            <a:off x="7996842" y="5299948"/>
+            <a:ext cx="1024639" cy="369332"/>
+          </a:xfrm>
+          <a:prstGeom prst="rect">
+            <a:avLst/>
+          </a:prstGeom>
+          <a:noFill/>
+        </p:spPr>
+        <p:txBody>
+          <a:bodyPr wrap="none" rtlCol="0">
+            <a:spAutoFit/>
+          </a:bodyPr>
+          <a:lstStyle/>
+          <a:p>
+            <a:r>
+              <a:rPr lang="en-US" b="1" dirty="0">
+                <a:latin typeface="Poppins" panose="00000500000000000000" pitchFamily="2" charset="0"/>
+                <a:cs typeface="Poppins" panose="00000500000000000000" pitchFamily="2" charset="0"/>
+              </a:rPr>
+              <a:t>Docker</a:t>
+            </a:r>
+            <a:endParaRPr lang="en-IN" b="1" dirty="0">
+              <a:latin typeface="Poppins" panose="00000500000000000000" pitchFamily="2" charset="0"/>
+              <a:cs typeface="Poppins" panose="00000500000000000000" pitchFamily="2" charset="0"/>
+            </a:endParaRPr>
+          </a:p>
+        </p:txBody>
+      </p:sp>
+      <p:sp>
+        <p:nvSpPr>
+          <p:cNvPr id="9" name="TextBox 8">
+            <a:extLst>
+              <a:ext uri="{FF2B5EF4-FFF2-40B4-BE49-F238E27FC236}">
+                <a16:creationId xmlns:a16="http://schemas.microsoft.com/office/drawing/2014/main" id="{AF3CCD1A-525A-5A2E-743A-4B61F447C51F}"/>
+              </a:ext>
+            </a:extLst>
+          </p:cNvPr>
+          <p:cNvSpPr txBox="1"/>
+          <p:nvPr/>
+        </p:nvSpPr>
+        <p:spPr>
+          <a:xfrm>
+            <a:off x="9464524" y="5286216"/>
+            <a:ext cx="1015021" cy="369332"/>
+          </a:xfrm>
+          <a:prstGeom prst="rect">
+            <a:avLst/>
+          </a:prstGeom>
+          <a:noFill/>
+        </p:spPr>
+        <p:txBody>
+          <a:bodyPr wrap="none" rtlCol="0">
+            <a:spAutoFit/>
+          </a:bodyPr>
+          <a:lstStyle/>
+          <a:p>
+            <a:r>
+              <a:rPr lang="en-US" b="1" dirty="0">
+                <a:latin typeface="Poppins" panose="00000500000000000000" pitchFamily="2" charset="0"/>
+                <a:cs typeface="Poppins" panose="00000500000000000000" pitchFamily="2" charset="0"/>
+              </a:rPr>
+              <a:t>Nagios</a:t>
+            </a:r>
+            <a:endParaRPr lang="en-IN" b="1" dirty="0">
+              <a:latin typeface="Poppins" panose="00000500000000000000" pitchFamily="2" charset="0"/>
+              <a:cs typeface="Poppins" panose="00000500000000000000" pitchFamily="2" charset="0"/>
+            </a:endParaRPr>
+          </a:p>
+        </p:txBody>
+      </p:sp>
+    </p:spTree>
+    <p:extLst>
+      <p:ext uri="{BB962C8B-B14F-4D97-AF65-F5344CB8AC3E}">
+        <p14:creationId xmlns:p14="http://schemas.microsoft.com/office/powerpoint/2010/main" val="1833478158"/>
+      </p:ext>
+    </p:extLst>
+  </p:cSld>
+  <p:clrMapOvr>
+    <a:masterClrMapping/>
+  </p:clrMapOvr>
+</p:sld>
+</file>
+
+<file path=ppt/slides/slide14.xml><?xml version="1.0" encoding="utf-8"?>
+<p:sld xmlns:a="http://schemas.openxmlformats.org/drawingml/2006/main" xmlns:r="http://schemas.openxmlformats.org/officeDocument/2006/relationships" xmlns:p="http://schemas.openxmlformats.org/presentationml/2006/main">
+  <p:cSld>
+    <p:bg>
+      <p:bgPr>
+        <a:solidFill>
+          <a:srgbClr val="FAF3E7"/>
+        </a:solidFill>
+        <a:effectLst/>
+      </p:bgPr>
+    </p:bg>
+    <p:spTree>
+      <p:nvGrpSpPr>
+        <p:cNvPr id="1" name=""/>
+        <p:cNvGrpSpPr/>
+        <p:nvPr/>
+      </p:nvGrpSpPr>
+      <p:grpSpPr>
+        <a:xfrm>
+          <a:off x="0" y="0"/>
+          <a:ext cx="0" cy="0"/>
+          <a:chOff x="0" y="0"/>
+          <a:chExt cx="0" cy="0"/>
+        </a:xfrm>
+      </p:grpSpPr>
+      <p:sp>
+        <p:nvSpPr>
+          <p:cNvPr id="12" name="Title 1">
+            <a:extLst>
+              <a:ext uri="{FF2B5EF4-FFF2-40B4-BE49-F238E27FC236}">
+                <a16:creationId xmlns:a16="http://schemas.microsoft.com/office/drawing/2014/main" id="{47BBE6C2-5AAA-AE35-5060-0C25E0D80244}"/>
+              </a:ext>
+            </a:extLst>
+          </p:cNvPr>
+          <p:cNvSpPr txBox="1">
+            <a:spLocks/>
+          </p:cNvSpPr>
+          <p:nvPr/>
+        </p:nvSpPr>
+        <p:spPr>
+          <a:xfrm>
+            <a:off x="381000" y="1279749"/>
+            <a:ext cx="11430000" cy="1393902"/>
+          </a:xfrm>
+          <a:prstGeom prst="rect">
+            <a:avLst/>
+          </a:prstGeom>
+        </p:spPr>
+        <p:txBody>
+          <a:bodyPr vert="horz" lIns="91440" tIns="45720" rIns="91440" bIns="45720" rtlCol="0" anchor="t">
+            <a:normAutofit fontScale="97500"/>
+          </a:bodyPr>
+          <a:lstStyle>
+            <a:lvl1pPr algn="l" defTabSz="914400" rtl="0" eaLnBrk="1" latinLnBrk="0" hangingPunct="1">
+              <a:lnSpc>
+                <a:spcPct val="90000"/>
+              </a:lnSpc>
+              <a:spcBef>
+                <a:spcPct val="0"/>
+              </a:spcBef>
+              <a:buNone/>
+              <a:defRPr sz="4400" kern="1200">
+                <a:solidFill>
+                  <a:schemeClr val="tx1"/>
+                </a:solidFill>
+                <a:latin typeface="+mj-lt"/>
+                <a:ea typeface="+mj-ea"/>
+                <a:cs typeface="+mj-cs"/>
+              </a:defRPr>
+            </a:lvl1pPr>
+          </a:lstStyle>
+          <a:p>
             <a:pPr algn="ctr">
               <a:lnSpc>
                 <a:spcPct val="100000"/>
@@ -4429,6 +5172,195 @@
 </file>
 
 <file path=ppt/slides/slide2.xml><?xml version="1.0" encoding="utf-8"?>
+<p:sld xmlns:a="http://schemas.openxmlformats.org/drawingml/2006/main" xmlns:r="http://schemas.openxmlformats.org/officeDocument/2006/relationships" xmlns:p="http://schemas.openxmlformats.org/presentationml/2006/main">
+  <p:cSld>
+    <p:spTree>
+      <p:nvGrpSpPr>
+        <p:cNvPr id="1" name=""/>
+        <p:cNvGrpSpPr/>
+        <p:nvPr/>
+      </p:nvGrpSpPr>
+      <p:grpSpPr>
+        <a:xfrm>
+          <a:off x="0" y="0"/>
+          <a:ext cx="0" cy="0"/>
+          <a:chOff x="0" y="0"/>
+          <a:chExt cx="0" cy="0"/>
+        </a:xfrm>
+      </p:grpSpPr>
+      <p:sp>
+        <p:nvSpPr>
+          <p:cNvPr id="2" name="Title 1"/>
+          <p:cNvSpPr>
+            <a:spLocks noGrp="1"/>
+          </p:cNvSpPr>
+          <p:nvPr>
+            <p:ph type="title"/>
+          </p:nvPr>
+        </p:nvSpPr>
+        <p:spPr/>
+        <p:txBody>
+          <a:bodyPr/>
+          <a:lstStyle/>
+          <a:p>
+            <a:r>
+              <a:t>DevOps Industry Stats (2025)</a:t>
+            </a:r>
+          </a:p>
+        </p:txBody>
+      </p:sp>
+      <p:sp>
+        <p:nvSpPr>
+          <p:cNvPr id="3" name="Content Placeholder 2"/>
+          <p:cNvSpPr>
+            <a:spLocks noGrp="1"/>
+          </p:cNvSpPr>
+          <p:nvPr>
+            <p:ph idx="1"/>
+          </p:nvPr>
+        </p:nvSpPr>
+        <p:spPr/>
+        <p:txBody>
+          <a:bodyPr/>
+          <a:lstStyle/>
+          <a:p>
+            <a:r>
+              <a:t>• 83% of IT decision-makers report faster software delivery with DevOps.</a:t>
+            </a:r>
+          </a:p>
+          <a:p>
+            <a:r>
+              <a:t>• High-performing DevOps teams deploy 208x more frequently.</a:t>
+            </a:r>
+          </a:p>
+          <a:p>
+            <a:r>
+              <a:t>• DevOps teams recover 24x faster from incidents.</a:t>
+            </a:r>
+          </a:p>
+          <a:p>
+            <a:r>
+              <a:t>• Organizations using DevOps have 3x fewer change failure rates.</a:t>
+            </a:r>
+          </a:p>
+          <a:p>
+            <a:r>
+              <a:t>• 74% of companies say DevOps has improved customer experience.</a:t>
+            </a:r>
+          </a:p>
+          <a:p>
+            <a:r>
+              <a:t>• 80% of enterprises have adopted DevOps in some form.</a:t>
+            </a:r>
+          </a:p>
+          <a:p>
+            <a:r>
+              <a:t>• DevOps increases developer productivity by up to 60%.</a:t>
+            </a:r>
+          </a:p>
+        </p:txBody>
+      </p:sp>
+    </p:spTree>
+  </p:cSld>
+  <p:clrMapOvr>
+    <a:masterClrMapping/>
+  </p:clrMapOvr>
+</p:sld>
+</file>
+
+<file path=ppt/slides/slide3.xml><?xml version="1.0" encoding="utf-8"?>
+<p:sld xmlns:a="http://schemas.openxmlformats.org/drawingml/2006/main" xmlns:r="http://schemas.openxmlformats.org/officeDocument/2006/relationships" xmlns:p="http://schemas.openxmlformats.org/presentationml/2006/main">
+  <p:cSld>
+    <p:spTree>
+      <p:nvGrpSpPr>
+        <p:cNvPr id="1" name=""/>
+        <p:cNvGrpSpPr/>
+        <p:nvPr/>
+      </p:nvGrpSpPr>
+      <p:grpSpPr>
+        <a:xfrm>
+          <a:off x="0" y="0"/>
+          <a:ext cx="0" cy="0"/>
+          <a:chOff x="0" y="0"/>
+          <a:chExt cx="0" cy="0"/>
+        </a:xfrm>
+      </p:grpSpPr>
+      <p:sp>
+        <p:nvSpPr>
+          <p:cNvPr id="2" name="Title 1"/>
+          <p:cNvSpPr>
+            <a:spLocks noGrp="1"/>
+          </p:cNvSpPr>
+          <p:nvPr>
+            <p:ph type="title"/>
+          </p:nvPr>
+        </p:nvSpPr>
+        <p:spPr/>
+        <p:txBody>
+          <a:bodyPr/>
+          <a:lstStyle/>
+          <a:p>
+            <a:r>
+              <a:t>DevOps: Key Takeaways</a:t>
+            </a:r>
+          </a:p>
+        </p:txBody>
+      </p:sp>
+      <p:sp>
+        <p:nvSpPr>
+          <p:cNvPr id="3" name="Content Placeholder 2"/>
+          <p:cNvSpPr>
+            <a:spLocks noGrp="1"/>
+          </p:cNvSpPr>
+          <p:nvPr>
+            <p:ph idx="1"/>
+          </p:nvPr>
+        </p:nvSpPr>
+        <p:spPr/>
+        <p:txBody>
+          <a:bodyPr/>
+          <a:lstStyle/>
+          <a:p>
+            <a:r>
+              <a:t>• DevOps isn’t just a toolset—it’s a mindset focused on collaboration.</a:t>
+            </a:r>
+          </a:p>
+          <a:p>
+            <a:r>
+              <a:t>• It enhances speed, stability, and scalability.</a:t>
+            </a:r>
+          </a:p>
+          <a:p>
+            <a:r>
+              <a:t>• Success stories like Netflix show its massive real-world impact.</a:t>
+            </a:r>
+          </a:p>
+          <a:p>
+            <a:r>
+              <a:t>• The DevOps lifecycle is continuous—plan, develop, build, test, release, deploy, operate.</a:t>
+            </a:r>
+          </a:p>
+          <a:p>
+            <a:r>
+              <a:t>• Adoption continues to grow across industries.</a:t>
+            </a:r>
+          </a:p>
+          <a:p>
+            <a:r>
+              <a:t>• The future of innovation lies in loops, not lines.</a:t>
+            </a:r>
+          </a:p>
+        </p:txBody>
+      </p:sp>
+    </p:spTree>
+  </p:cSld>
+  <p:clrMapOvr>
+    <a:masterClrMapping/>
+  </p:clrMapOvr>
+</p:sld>
+</file>
+
+<file path=ppt/slides/slide4.xml><?xml version="1.0" encoding="utf-8"?>
 <p:sld xmlns:a="http://schemas.openxmlformats.org/drawingml/2006/main" xmlns:r="http://schemas.openxmlformats.org/officeDocument/2006/relationships" xmlns:p="http://schemas.openxmlformats.org/presentationml/2006/main">
   <p:cSld>
     <p:bg>
@@ -4821,621 +5753,6 @@
 </p:sld>
 </file>
 
-<file path=ppt/slides/slide3.xml><?xml version="1.0" encoding="utf-8"?>
-<p:sld xmlns:a="http://schemas.openxmlformats.org/drawingml/2006/main" xmlns:r="http://schemas.openxmlformats.org/officeDocument/2006/relationships" xmlns:p="http://schemas.openxmlformats.org/presentationml/2006/main">
-  <p:cSld>
-    <p:bg>
-      <p:bgPr>
-        <a:solidFill>
-          <a:srgbClr val="FAF3E7"/>
-        </a:solidFill>
-        <a:effectLst/>
-      </p:bgPr>
-    </p:bg>
-    <p:spTree>
-      <p:nvGrpSpPr>
-        <p:cNvPr id="1" name=""/>
-        <p:cNvGrpSpPr/>
-        <p:nvPr/>
-      </p:nvGrpSpPr>
-      <p:grpSpPr>
-        <a:xfrm>
-          <a:off x="0" y="0"/>
-          <a:ext cx="0" cy="0"/>
-          <a:chOff x="0" y="0"/>
-          <a:chExt cx="0" cy="0"/>
-        </a:xfrm>
-      </p:grpSpPr>
-      <p:sp>
-        <p:nvSpPr>
-          <p:cNvPr id="12" name="Title 1">
-            <a:extLst>
-              <a:ext uri="{FF2B5EF4-FFF2-40B4-BE49-F238E27FC236}">
-                <a16:creationId xmlns:a16="http://schemas.microsoft.com/office/drawing/2014/main" id="{47BBE6C2-5AAA-AE35-5060-0C25E0D80244}"/>
-              </a:ext>
-            </a:extLst>
-          </p:cNvPr>
-          <p:cNvSpPr txBox="1">
-            <a:spLocks/>
-          </p:cNvSpPr>
-          <p:nvPr/>
-        </p:nvSpPr>
-        <p:spPr>
-          <a:xfrm>
-            <a:off x="352922" y="289150"/>
-            <a:ext cx="8742955" cy="1393902"/>
-          </a:xfrm>
-          <a:prstGeom prst="rect">
-            <a:avLst/>
-          </a:prstGeom>
-        </p:spPr>
-        <p:txBody>
-          <a:bodyPr vert="horz" lIns="91440" tIns="45720" rIns="91440" bIns="45720" rtlCol="0" anchor="t">
-            <a:normAutofit fontScale="97500"/>
-          </a:bodyPr>
-          <a:lstStyle>
-            <a:lvl1pPr algn="l" defTabSz="914400" rtl="0" eaLnBrk="1" latinLnBrk="0" hangingPunct="1">
-              <a:lnSpc>
-                <a:spcPct val="90000"/>
-              </a:lnSpc>
-              <a:spcBef>
-                <a:spcPct val="0"/>
-              </a:spcBef>
-              <a:buNone/>
-              <a:defRPr sz="4400" kern="1200">
-                <a:solidFill>
-                  <a:schemeClr val="tx1"/>
-                </a:solidFill>
-                <a:latin typeface="+mj-lt"/>
-                <a:ea typeface="+mj-ea"/>
-                <a:cs typeface="+mj-cs"/>
-              </a:defRPr>
-            </a:lvl1pPr>
-          </a:lstStyle>
-          <a:p>
-            <a:pPr>
-              <a:lnSpc>
-                <a:spcPct val="100000"/>
-              </a:lnSpc>
-            </a:pPr>
-            <a:r>
-              <a:rPr lang="en-US" sz="5000" b="1" dirty="0">
-                <a:solidFill>
-                  <a:srgbClr val="102631"/>
-                </a:solidFill>
-                <a:latin typeface="Poppins" panose="00000500000000000000" pitchFamily="2" charset="0"/>
-                <a:cs typeface="Poppins" panose="00000500000000000000" pitchFamily="2" charset="0"/>
-              </a:rPr>
-              <a:t>Why DevOps?</a:t>
-            </a:r>
-            <a:endParaRPr lang="en-IN" sz="5000" b="1" dirty="0">
-              <a:solidFill>
-                <a:srgbClr val="102631"/>
-              </a:solidFill>
-              <a:latin typeface="Poppins" panose="00000500000000000000" pitchFamily="2" charset="0"/>
-              <a:cs typeface="Poppins" panose="00000500000000000000" pitchFamily="2" charset="0"/>
-            </a:endParaRPr>
-          </a:p>
-        </p:txBody>
-      </p:sp>
-      <p:pic>
-        <p:nvPicPr>
-          <p:cNvPr id="5" name="Graphic 4" descr="Gauge outline">
-            <a:extLst>
-              <a:ext uri="{FF2B5EF4-FFF2-40B4-BE49-F238E27FC236}">
-                <a16:creationId xmlns:a16="http://schemas.microsoft.com/office/drawing/2014/main" id="{B4F8DF4D-7D15-5CF5-2821-0232A7F3A257}"/>
-              </a:ext>
-            </a:extLst>
-          </p:cNvPr>
-          <p:cNvPicPr>
-            <a:picLocks noChangeAspect="1"/>
-          </p:cNvPicPr>
-          <p:nvPr/>
-        </p:nvPicPr>
-        <p:blipFill>
-          <a:blip r:embed="rId2">
-            <a:extLst>
-              <a:ext uri="{96DAC541-7B7A-43D3-8B79-37D633B846F1}">
-                <asvg:svgBlip xmlns:asvg="http://schemas.microsoft.com/office/drawing/2016/SVG/main" r:embed="rId3"/>
-              </a:ext>
-            </a:extLst>
-          </a:blip>
-          <a:stretch>
-            <a:fillRect/>
-          </a:stretch>
-        </p:blipFill>
-        <p:spPr>
-          <a:xfrm>
-            <a:off x="1376629" y="2145477"/>
-            <a:ext cx="1097424" cy="1097424"/>
-          </a:xfrm>
-          <a:prstGeom prst="rect">
-            <a:avLst/>
-          </a:prstGeom>
-        </p:spPr>
-      </p:pic>
-      <p:pic>
-        <p:nvPicPr>
-          <p:cNvPr id="8" name="Graphic 7" descr="Users with solid fill">
-            <a:extLst>
-              <a:ext uri="{FF2B5EF4-FFF2-40B4-BE49-F238E27FC236}">
-                <a16:creationId xmlns:a16="http://schemas.microsoft.com/office/drawing/2014/main" id="{E0214175-E35B-293A-7F5F-BF16CF4607A0}"/>
-              </a:ext>
-            </a:extLst>
-          </p:cNvPr>
-          <p:cNvPicPr>
-            <a:picLocks noChangeAspect="1"/>
-          </p:cNvPicPr>
-          <p:nvPr/>
-        </p:nvPicPr>
-        <p:blipFill>
-          <a:blip r:embed="rId4">
-            <a:extLst>
-              <a:ext uri="{96DAC541-7B7A-43D3-8B79-37D633B846F1}">
-                <asvg:svgBlip xmlns:asvg="http://schemas.microsoft.com/office/drawing/2016/SVG/main" r:embed="rId5"/>
-              </a:ext>
-            </a:extLst>
-          </a:blip>
-          <a:stretch>
-            <a:fillRect/>
-          </a:stretch>
-        </p:blipFill>
-        <p:spPr>
-          <a:xfrm>
-            <a:off x="5547288" y="2145477"/>
-            <a:ext cx="1097424" cy="1097424"/>
-          </a:xfrm>
-          <a:prstGeom prst="rect">
-            <a:avLst/>
-          </a:prstGeom>
-        </p:spPr>
-      </p:pic>
-      <p:pic>
-        <p:nvPicPr>
-          <p:cNvPr id="10" name="Graphic 9" descr="Infinity with solid fill">
-            <a:extLst>
-              <a:ext uri="{FF2B5EF4-FFF2-40B4-BE49-F238E27FC236}">
-                <a16:creationId xmlns:a16="http://schemas.microsoft.com/office/drawing/2014/main" id="{1C017E3F-9FF7-2EA1-5F13-C40BF93416A2}"/>
-              </a:ext>
-            </a:extLst>
-          </p:cNvPr>
-          <p:cNvPicPr>
-            <a:picLocks noChangeAspect="1"/>
-          </p:cNvPicPr>
-          <p:nvPr/>
-        </p:nvPicPr>
-        <p:blipFill>
-          <a:blip r:embed="rId6">
-            <a:extLst>
-              <a:ext uri="{96DAC541-7B7A-43D3-8B79-37D633B846F1}">
-                <asvg:svgBlip xmlns:asvg="http://schemas.microsoft.com/office/drawing/2016/SVG/main" r:embed="rId7"/>
-              </a:ext>
-            </a:extLst>
-          </a:blip>
-          <a:stretch>
-            <a:fillRect/>
-          </a:stretch>
-        </p:blipFill>
-        <p:spPr>
-          <a:xfrm>
-            <a:off x="9823945" y="2145477"/>
-            <a:ext cx="1097424" cy="1097424"/>
-          </a:xfrm>
-          <a:prstGeom prst="rect">
-            <a:avLst/>
-          </a:prstGeom>
-        </p:spPr>
-      </p:pic>
-      <p:sp>
-        <p:nvSpPr>
-          <p:cNvPr id="11" name="TextBox 10">
-            <a:extLst>
-              <a:ext uri="{FF2B5EF4-FFF2-40B4-BE49-F238E27FC236}">
-                <a16:creationId xmlns:a16="http://schemas.microsoft.com/office/drawing/2014/main" id="{3E517EAF-A1FB-942E-5D1F-9D79A0D5315D}"/>
-              </a:ext>
-            </a:extLst>
-          </p:cNvPr>
-          <p:cNvSpPr txBox="1"/>
-          <p:nvPr/>
-        </p:nvSpPr>
-        <p:spPr>
-          <a:xfrm>
-            <a:off x="509291" y="3242901"/>
-            <a:ext cx="2832100" cy="2431435"/>
-          </a:xfrm>
-          <a:prstGeom prst="rect">
-            <a:avLst/>
-          </a:prstGeom>
-          <a:noFill/>
-        </p:spPr>
-        <p:txBody>
-          <a:bodyPr wrap="square" rtlCol="0">
-            <a:spAutoFit/>
-          </a:bodyPr>
-          <a:lstStyle/>
-          <a:p>
-            <a:pPr algn="ctr"/>
-            <a:r>
-              <a:rPr lang="en-US" sz="2800" b="1" dirty="0">
-                <a:latin typeface="Arial" panose="020B0604020202020204" pitchFamily="34" charset="0"/>
-                <a:cs typeface="Arial" panose="020B0604020202020204" pitchFamily="34" charset="0"/>
-              </a:rPr>
-              <a:t>Faster </a:t>
-            </a:r>
-          </a:p>
-          <a:p>
-            <a:pPr algn="ctr"/>
-            <a:r>
-              <a:rPr lang="en-US" sz="2800" b="1" dirty="0">
-                <a:latin typeface="Arial" panose="020B0604020202020204" pitchFamily="34" charset="0"/>
-                <a:cs typeface="Arial" panose="020B0604020202020204" pitchFamily="34" charset="0"/>
-              </a:rPr>
-              <a:t>Delivery</a:t>
-            </a:r>
-          </a:p>
-          <a:p>
-            <a:pPr algn="ctr"/>
-            <a:endParaRPr lang="en-US" sz="2800" b="1" dirty="0">
-              <a:latin typeface="Arial" panose="020B0604020202020204" pitchFamily="34" charset="0"/>
-              <a:cs typeface="Arial" panose="020B0604020202020204" pitchFamily="34" charset="0"/>
-            </a:endParaRPr>
-          </a:p>
-          <a:p>
-            <a:r>
-              <a:rPr lang="en-US" sz="2000" dirty="0">
-                <a:latin typeface="Arial" panose="020B0604020202020204" pitchFamily="34" charset="0"/>
-                <a:cs typeface="Arial" panose="020B0604020202020204" pitchFamily="34" charset="0"/>
-              </a:rPr>
-              <a:t>Team release features quicker and more often</a:t>
-            </a:r>
-          </a:p>
-          <a:p>
-            <a:pPr algn="ctr"/>
-            <a:endParaRPr lang="en-IN" sz="2800" b="1" dirty="0">
-              <a:latin typeface="Arial" panose="020B0604020202020204" pitchFamily="34" charset="0"/>
-              <a:cs typeface="Arial" panose="020B0604020202020204" pitchFamily="34" charset="0"/>
-            </a:endParaRPr>
-          </a:p>
-        </p:txBody>
-      </p:sp>
-      <p:sp>
-        <p:nvSpPr>
-          <p:cNvPr id="13" name="TextBox 12">
-            <a:extLst>
-              <a:ext uri="{FF2B5EF4-FFF2-40B4-BE49-F238E27FC236}">
-                <a16:creationId xmlns:a16="http://schemas.microsoft.com/office/drawing/2014/main" id="{16CEDD01-5707-E668-AFE4-D262A005600D}"/>
-              </a:ext>
-            </a:extLst>
-          </p:cNvPr>
-          <p:cNvSpPr txBox="1"/>
-          <p:nvPr/>
-        </p:nvSpPr>
-        <p:spPr>
-          <a:xfrm>
-            <a:off x="4625090" y="3230704"/>
-            <a:ext cx="2956810" cy="2431435"/>
-          </a:xfrm>
-          <a:prstGeom prst="rect">
-            <a:avLst/>
-          </a:prstGeom>
-          <a:noFill/>
-        </p:spPr>
-        <p:txBody>
-          <a:bodyPr wrap="square" rtlCol="0">
-            <a:spAutoFit/>
-          </a:bodyPr>
-          <a:lstStyle/>
-          <a:p>
-            <a:pPr algn="ctr"/>
-            <a:r>
-              <a:rPr lang="en-US" sz="2800" b="1" dirty="0">
-                <a:latin typeface="Arial" panose="020B0604020202020204" pitchFamily="34" charset="0"/>
-                <a:cs typeface="Arial" panose="020B0604020202020204" pitchFamily="34" charset="0"/>
-              </a:rPr>
-              <a:t>Better Collaboration</a:t>
-            </a:r>
-          </a:p>
-          <a:p>
-            <a:pPr algn="ctr"/>
-            <a:endParaRPr lang="en-US" sz="2800" b="1" dirty="0">
-              <a:latin typeface="Arial" panose="020B0604020202020204" pitchFamily="34" charset="0"/>
-              <a:cs typeface="Arial" panose="020B0604020202020204" pitchFamily="34" charset="0"/>
-            </a:endParaRPr>
-          </a:p>
-          <a:p>
-            <a:r>
-              <a:rPr lang="en-US" sz="2000" dirty="0">
-                <a:latin typeface="Arial" panose="020B0604020202020204" pitchFamily="34" charset="0"/>
-                <a:cs typeface="Arial" panose="020B0604020202020204" pitchFamily="34" charset="0"/>
-              </a:rPr>
-              <a:t>No more ‘us vs them’</a:t>
-            </a:r>
-          </a:p>
-          <a:p>
-            <a:r>
-              <a:rPr lang="en-US" sz="2000" dirty="0">
-                <a:latin typeface="Arial" panose="020B0604020202020204" pitchFamily="34" charset="0"/>
-                <a:cs typeface="Arial" panose="020B0604020202020204" pitchFamily="34" charset="0"/>
-              </a:rPr>
-              <a:t>Between Devs and Ops</a:t>
-            </a:r>
-          </a:p>
-          <a:p>
-            <a:pPr algn="ctr"/>
-            <a:endParaRPr lang="en-IN" sz="2800" b="1" dirty="0">
-              <a:latin typeface="Arial" panose="020B0604020202020204" pitchFamily="34" charset="0"/>
-              <a:cs typeface="Arial" panose="020B0604020202020204" pitchFamily="34" charset="0"/>
-            </a:endParaRPr>
-          </a:p>
-        </p:txBody>
-      </p:sp>
-      <p:sp>
-        <p:nvSpPr>
-          <p:cNvPr id="14" name="TextBox 13">
-            <a:extLst>
-              <a:ext uri="{FF2B5EF4-FFF2-40B4-BE49-F238E27FC236}">
-                <a16:creationId xmlns:a16="http://schemas.microsoft.com/office/drawing/2014/main" id="{2932EFA6-8D16-D0CB-262A-95959D22FDC0}"/>
-              </a:ext>
-            </a:extLst>
-          </p:cNvPr>
-          <p:cNvSpPr txBox="1"/>
-          <p:nvPr/>
-        </p:nvSpPr>
-        <p:spPr>
-          <a:xfrm>
-            <a:off x="8748918" y="3234602"/>
-            <a:ext cx="3247478" cy="2739211"/>
-          </a:xfrm>
-          <a:prstGeom prst="rect">
-            <a:avLst/>
-          </a:prstGeom>
-          <a:noFill/>
-        </p:spPr>
-        <p:txBody>
-          <a:bodyPr wrap="square" rtlCol="0">
-            <a:spAutoFit/>
-          </a:bodyPr>
-          <a:lstStyle/>
-          <a:p>
-            <a:pPr algn="ctr"/>
-            <a:r>
-              <a:rPr lang="en-US" sz="2800" b="1" dirty="0">
-                <a:latin typeface="Arial" panose="020B0604020202020204" pitchFamily="34" charset="0"/>
-                <a:cs typeface="Arial" panose="020B0604020202020204" pitchFamily="34" charset="0"/>
-              </a:rPr>
-              <a:t>Continuous</a:t>
-            </a:r>
-          </a:p>
-          <a:p>
-            <a:pPr algn="ctr"/>
-            <a:r>
-              <a:rPr lang="en-US" sz="2800" b="1" dirty="0">
-                <a:latin typeface="Arial" panose="020B0604020202020204" pitchFamily="34" charset="0"/>
-                <a:cs typeface="Arial" panose="020B0604020202020204" pitchFamily="34" charset="0"/>
-              </a:rPr>
-              <a:t>Improvement</a:t>
-            </a:r>
-          </a:p>
-          <a:p>
-            <a:pPr algn="ctr"/>
-            <a:endParaRPr lang="en-US" sz="2800" b="1" dirty="0">
-              <a:latin typeface="Arial" panose="020B0604020202020204" pitchFamily="34" charset="0"/>
-              <a:cs typeface="Arial" panose="020B0604020202020204" pitchFamily="34" charset="0"/>
-            </a:endParaRPr>
-          </a:p>
-          <a:p>
-            <a:r>
-              <a:rPr lang="en-US" sz="2000" dirty="0">
-                <a:latin typeface="Arial" panose="020B0604020202020204" pitchFamily="34" charset="0"/>
-                <a:cs typeface="Arial" panose="020B0604020202020204" pitchFamily="34" charset="0"/>
-              </a:rPr>
-              <a:t>The loop means we’re always optimizing, always learning</a:t>
-            </a:r>
-          </a:p>
-          <a:p>
-            <a:pPr algn="ctr"/>
-            <a:endParaRPr lang="en-IN" sz="2800" b="1" dirty="0">
-              <a:latin typeface="Arial" panose="020B0604020202020204" pitchFamily="34" charset="0"/>
-              <a:cs typeface="Arial" panose="020B0604020202020204" pitchFamily="34" charset="0"/>
-            </a:endParaRPr>
-          </a:p>
-        </p:txBody>
-      </p:sp>
-    </p:spTree>
-    <p:extLst>
-      <p:ext uri="{BB962C8B-B14F-4D97-AF65-F5344CB8AC3E}">
-        <p14:creationId xmlns:p14="http://schemas.microsoft.com/office/powerpoint/2010/main" val="3813436423"/>
-      </p:ext>
-    </p:extLst>
-  </p:cSld>
-  <p:clrMapOvr>
-    <a:masterClrMapping/>
-  </p:clrMapOvr>
-</p:sld>
-</file>
-
-<file path=ppt/slides/slide4.xml><?xml version="1.0" encoding="utf-8"?>
-<p:sld xmlns:a="http://schemas.openxmlformats.org/drawingml/2006/main" xmlns:r="http://schemas.openxmlformats.org/officeDocument/2006/relationships" xmlns:p="http://schemas.openxmlformats.org/presentationml/2006/main">
-  <p:cSld>
-    <p:bg>
-      <p:bgPr>
-        <a:solidFill>
-          <a:srgbClr val="FAF3E7"/>
-        </a:solidFill>
-        <a:effectLst/>
-      </p:bgPr>
-    </p:bg>
-    <p:spTree>
-      <p:nvGrpSpPr>
-        <p:cNvPr id="1" name=""/>
-        <p:cNvGrpSpPr/>
-        <p:nvPr/>
-      </p:nvGrpSpPr>
-      <p:grpSpPr>
-        <a:xfrm>
-          <a:off x="0" y="0"/>
-          <a:ext cx="0" cy="0"/>
-          <a:chOff x="0" y="0"/>
-          <a:chExt cx="0" cy="0"/>
-        </a:xfrm>
-      </p:grpSpPr>
-      <p:sp>
-        <p:nvSpPr>
-          <p:cNvPr id="12" name="Title 1">
-            <a:extLst>
-              <a:ext uri="{FF2B5EF4-FFF2-40B4-BE49-F238E27FC236}">
-                <a16:creationId xmlns:a16="http://schemas.microsoft.com/office/drawing/2014/main" id="{47BBE6C2-5AAA-AE35-5060-0C25E0D80244}"/>
-              </a:ext>
-            </a:extLst>
-          </p:cNvPr>
-          <p:cNvSpPr txBox="1">
-            <a:spLocks/>
-          </p:cNvSpPr>
-          <p:nvPr/>
-        </p:nvSpPr>
-        <p:spPr>
-          <a:xfrm>
-            <a:off x="352922" y="289150"/>
-            <a:ext cx="9487764" cy="1393902"/>
-          </a:xfrm>
-          <a:prstGeom prst="rect">
-            <a:avLst/>
-          </a:prstGeom>
-        </p:spPr>
-        <p:txBody>
-          <a:bodyPr vert="horz" lIns="91440" tIns="45720" rIns="91440" bIns="45720" rtlCol="0" anchor="t">
-            <a:normAutofit fontScale="90000"/>
-          </a:bodyPr>
-          <a:lstStyle>
-            <a:lvl1pPr algn="l" defTabSz="914400" rtl="0" eaLnBrk="1" latinLnBrk="0" hangingPunct="1">
-              <a:lnSpc>
-                <a:spcPct val="90000"/>
-              </a:lnSpc>
-              <a:spcBef>
-                <a:spcPct val="0"/>
-              </a:spcBef>
-              <a:buNone/>
-              <a:defRPr sz="4400" kern="1200">
-                <a:solidFill>
-                  <a:schemeClr val="tx1"/>
-                </a:solidFill>
-                <a:latin typeface="+mj-lt"/>
-                <a:ea typeface="+mj-ea"/>
-                <a:cs typeface="+mj-cs"/>
-              </a:defRPr>
-            </a:lvl1pPr>
-          </a:lstStyle>
-          <a:p>
-            <a:pPr>
-              <a:lnSpc>
-                <a:spcPct val="100000"/>
-              </a:lnSpc>
-            </a:pPr>
-            <a:r>
-              <a:rPr lang="en-US" sz="5000" b="1" dirty="0">
-                <a:solidFill>
-                  <a:srgbClr val="102631"/>
-                </a:solidFill>
-                <a:latin typeface="Poppins" panose="00000500000000000000" pitchFamily="2" charset="0"/>
-                <a:cs typeface="Poppins" panose="00000500000000000000" pitchFamily="2" charset="0"/>
-              </a:rPr>
-              <a:t>The problems before DevOps?</a:t>
-            </a:r>
-            <a:endParaRPr lang="en-IN" sz="5000" b="1" dirty="0">
-              <a:solidFill>
-                <a:srgbClr val="102631"/>
-              </a:solidFill>
-              <a:latin typeface="Poppins" panose="00000500000000000000" pitchFamily="2" charset="0"/>
-              <a:cs typeface="Poppins" panose="00000500000000000000" pitchFamily="2" charset="0"/>
-            </a:endParaRPr>
-          </a:p>
-        </p:txBody>
-      </p:sp>
-      <p:pic>
-        <p:nvPicPr>
-          <p:cNvPr id="5" name="Picture 4" descr="A cartoon of two people with their hands up&#10;&#10;Description automatically generated">
-            <a:extLst>
-              <a:ext uri="{FF2B5EF4-FFF2-40B4-BE49-F238E27FC236}">
-                <a16:creationId xmlns:a16="http://schemas.microsoft.com/office/drawing/2014/main" id="{3D0B4E63-2767-F1DF-488E-25F99B8ACDA3}"/>
-              </a:ext>
-            </a:extLst>
-          </p:cNvPr>
-          <p:cNvPicPr>
-            <a:picLocks noChangeAspect="1"/>
-          </p:cNvPicPr>
-          <p:nvPr/>
-        </p:nvPicPr>
-        <p:blipFill>
-          <a:blip r:embed="rId2">
-            <a:extLst>
-              <a:ext uri="{28A0092B-C50C-407E-A947-70E740481C1C}">
-                <a14:useLocalDpi xmlns:a14="http://schemas.microsoft.com/office/drawing/2010/main" val="0"/>
-              </a:ext>
-            </a:extLst>
-          </a:blip>
-          <a:stretch>
-            <a:fillRect/>
-          </a:stretch>
-        </p:blipFill>
-        <p:spPr>
-          <a:xfrm>
-            <a:off x="-724761" y="524044"/>
-            <a:ext cx="6904692" cy="4603128"/>
-          </a:xfrm>
-          <a:prstGeom prst="rect">
-            <a:avLst/>
-          </a:prstGeom>
-        </p:spPr>
-      </p:pic>
-      <p:pic>
-        <p:nvPicPr>
-          <p:cNvPr id="8" name="Picture 7" descr="A couple of people holding boxes&#10;&#10;Description automatically generated">
-            <a:extLst>
-              <a:ext uri="{FF2B5EF4-FFF2-40B4-BE49-F238E27FC236}">
-                <a16:creationId xmlns:a16="http://schemas.microsoft.com/office/drawing/2014/main" id="{2A2A93C4-4AA9-3091-A10F-1560D0377991}"/>
-              </a:ext>
-            </a:extLst>
-          </p:cNvPr>
-          <p:cNvPicPr>
-            <a:picLocks noChangeAspect="1"/>
-          </p:cNvPicPr>
-          <p:nvPr/>
-        </p:nvPicPr>
-        <p:blipFill>
-          <a:blip r:embed="rId3">
-            <a:extLst>
-              <a:ext uri="{28A0092B-C50C-407E-A947-70E740481C1C}">
-                <a14:useLocalDpi xmlns:a14="http://schemas.microsoft.com/office/drawing/2010/main" val="0"/>
-              </a:ext>
-            </a:extLst>
-          </a:blip>
-          <a:stretch>
-            <a:fillRect/>
-          </a:stretch>
-        </p:blipFill>
-        <p:spPr>
-          <a:xfrm>
-            <a:off x="5909488" y="2377850"/>
-            <a:ext cx="6720225" cy="4480150"/>
-          </a:xfrm>
-          <a:prstGeom prst="rect">
-            <a:avLst/>
-          </a:prstGeom>
-        </p:spPr>
-      </p:pic>
-    </p:spTree>
-    <p:extLst>
-      <p:ext uri="{BB962C8B-B14F-4D97-AF65-F5344CB8AC3E}">
-        <p14:creationId xmlns:p14="http://schemas.microsoft.com/office/powerpoint/2010/main" val="3942756179"/>
-      </p:ext>
-    </p:extLst>
-  </p:cSld>
-  <p:clrMapOvr>
-    <a:masterClrMapping/>
-  </p:clrMapOvr>
-</p:sld>
-</file>
-
 <file path=ppt/slides/slide5.xml><?xml version="1.0" encoding="utf-8"?>
 <p:sld xmlns:a="http://schemas.openxmlformats.org/drawingml/2006/main" xmlns:r="http://schemas.openxmlformats.org/officeDocument/2006/relationships" xmlns:p="http://schemas.openxmlformats.org/presentationml/2006/main">
   <p:cSld>
@@ -5478,7 +5795,7 @@
         <p:spPr>
           <a:xfrm>
             <a:off x="352922" y="289150"/>
-            <a:ext cx="9487764" cy="1393902"/>
+            <a:ext cx="8742955" cy="1393902"/>
           </a:xfrm>
           <a:prstGeom prst="rect">
             <a:avLst/>
@@ -5521,7 +5838,7 @@
                 <a:latin typeface="Poppins" panose="00000500000000000000" pitchFamily="2" charset="0"/>
                 <a:cs typeface="Poppins" panose="00000500000000000000" pitchFamily="2" charset="0"/>
               </a:rPr>
-              <a:t>Enters DevOps?</a:t>
+              <a:t>Why DevOps?</a:t>
             </a:r>
             <a:endParaRPr lang="en-IN" sz="5000" b="1" dirty="0">
               <a:solidFill>
@@ -5535,10 +5852,10 @@
       </p:sp>
       <p:pic>
         <p:nvPicPr>
-          <p:cNvPr id="3" name="Picture 2" descr="A person and person giving each other high fiving">
-            <a:extLst>
-              <a:ext uri="{FF2B5EF4-FFF2-40B4-BE49-F238E27FC236}">
-                <a16:creationId xmlns:a16="http://schemas.microsoft.com/office/drawing/2014/main" id="{4F2B1412-8E8E-C09B-0FE3-0CAB1FB75908}"/>
+          <p:cNvPr id="5" name="Graphic 4" descr="Gauge outline">
+            <a:extLst>
+              <a:ext uri="{FF2B5EF4-FFF2-40B4-BE49-F238E27FC236}">
+                <a16:creationId xmlns:a16="http://schemas.microsoft.com/office/drawing/2014/main" id="{B4F8DF4D-7D15-5CF5-2821-0232A7F3A257}"/>
               </a:ext>
             </a:extLst>
           </p:cNvPr>
@@ -5550,8 +5867,8 @@
         <p:blipFill>
           <a:blip r:embed="rId2">
             <a:extLst>
-              <a:ext uri="{28A0092B-C50C-407E-A947-70E740481C1C}">
-                <a14:useLocalDpi xmlns:a14="http://schemas.microsoft.com/office/drawing/2010/main" val="0"/>
+              <a:ext uri="{96DAC541-7B7A-43D3-8B79-37D633B846F1}">
+                <asvg:svgBlip xmlns:asvg="http://schemas.microsoft.com/office/drawing/2016/SVG/main" r:embed="rId3"/>
               </a:ext>
             </a:extLst>
           </a:blip>
@@ -5561,20 +5878,92 @@
         </p:blipFill>
         <p:spPr>
           <a:xfrm>
-            <a:off x="952500" y="0"/>
-            <a:ext cx="10287000" cy="6858000"/>
+            <a:off x="1376629" y="2145477"/>
+            <a:ext cx="1097424" cy="1097424"/>
           </a:xfrm>
           <a:prstGeom prst="rect">
             <a:avLst/>
           </a:prstGeom>
         </p:spPr>
       </p:pic>
-      <p:sp>
-        <p:nvSpPr>
-          <p:cNvPr id="4" name="TextBox 3">
-            <a:extLst>
-              <a:ext uri="{FF2B5EF4-FFF2-40B4-BE49-F238E27FC236}">
-                <a16:creationId xmlns:a16="http://schemas.microsoft.com/office/drawing/2014/main" id="{2392A946-955E-F461-3D82-F7F142EB92C7}"/>
+      <p:pic>
+        <p:nvPicPr>
+          <p:cNvPr id="8" name="Graphic 7" descr="Users with solid fill">
+            <a:extLst>
+              <a:ext uri="{FF2B5EF4-FFF2-40B4-BE49-F238E27FC236}">
+                <a16:creationId xmlns:a16="http://schemas.microsoft.com/office/drawing/2014/main" id="{E0214175-E35B-293A-7F5F-BF16CF4607A0}"/>
+              </a:ext>
+            </a:extLst>
+          </p:cNvPr>
+          <p:cNvPicPr>
+            <a:picLocks noChangeAspect="1"/>
+          </p:cNvPicPr>
+          <p:nvPr/>
+        </p:nvPicPr>
+        <p:blipFill>
+          <a:blip r:embed="rId4">
+            <a:extLst>
+              <a:ext uri="{96DAC541-7B7A-43D3-8B79-37D633B846F1}">
+                <asvg:svgBlip xmlns:asvg="http://schemas.microsoft.com/office/drawing/2016/SVG/main" r:embed="rId5"/>
+              </a:ext>
+            </a:extLst>
+          </a:blip>
+          <a:stretch>
+            <a:fillRect/>
+          </a:stretch>
+        </p:blipFill>
+        <p:spPr>
+          <a:xfrm>
+            <a:off x="5547288" y="2145477"/>
+            <a:ext cx="1097424" cy="1097424"/>
+          </a:xfrm>
+          <a:prstGeom prst="rect">
+            <a:avLst/>
+          </a:prstGeom>
+        </p:spPr>
+      </p:pic>
+      <p:pic>
+        <p:nvPicPr>
+          <p:cNvPr id="10" name="Graphic 9" descr="Infinity with solid fill">
+            <a:extLst>
+              <a:ext uri="{FF2B5EF4-FFF2-40B4-BE49-F238E27FC236}">
+                <a16:creationId xmlns:a16="http://schemas.microsoft.com/office/drawing/2014/main" id="{1C017E3F-9FF7-2EA1-5F13-C40BF93416A2}"/>
+              </a:ext>
+            </a:extLst>
+          </p:cNvPr>
+          <p:cNvPicPr>
+            <a:picLocks noChangeAspect="1"/>
+          </p:cNvPicPr>
+          <p:nvPr/>
+        </p:nvPicPr>
+        <p:blipFill>
+          <a:blip r:embed="rId6">
+            <a:extLst>
+              <a:ext uri="{96DAC541-7B7A-43D3-8B79-37D633B846F1}">
+                <asvg:svgBlip xmlns:asvg="http://schemas.microsoft.com/office/drawing/2016/SVG/main" r:embed="rId7"/>
+              </a:ext>
+            </a:extLst>
+          </a:blip>
+          <a:stretch>
+            <a:fillRect/>
+          </a:stretch>
+        </p:blipFill>
+        <p:spPr>
+          <a:xfrm>
+            <a:off x="9823945" y="2145477"/>
+            <a:ext cx="1097424" cy="1097424"/>
+          </a:xfrm>
+          <a:prstGeom prst="rect">
+            <a:avLst/>
+          </a:prstGeom>
+        </p:spPr>
+      </p:pic>
+      <p:sp>
+        <p:nvSpPr>
+          <p:cNvPr id="11" name="TextBox 10">
+            <a:extLst>
+              <a:ext uri="{FF2B5EF4-FFF2-40B4-BE49-F238E27FC236}">
+                <a16:creationId xmlns:a16="http://schemas.microsoft.com/office/drawing/2014/main" id="{3E517EAF-A1FB-942E-5D1F-9D79A0D5315D}"/>
               </a:ext>
             </a:extLst>
           </p:cNvPr>
@@ -5583,8 +5972,8 @@
         </p:nvSpPr>
         <p:spPr>
           <a:xfrm>
-            <a:off x="816430" y="5159829"/>
-            <a:ext cx="10286999" cy="1015663"/>
+            <a:off x="509291" y="3242901"/>
+            <a:ext cx="2832100" cy="2431435"/>
           </a:xfrm>
           <a:prstGeom prst="rect">
             <a:avLst/>
@@ -5599,25 +5988,187 @@
           <a:p>
             <a:pPr algn="ctr"/>
             <a:r>
-              <a:rPr lang="en-US" sz="3000" b="1" dirty="0">
-                <a:latin typeface="Poppins" panose="00000500000000000000" pitchFamily="2" charset="0"/>
-                <a:cs typeface="Poppins" panose="00000500000000000000" pitchFamily="2" charset="0"/>
+              <a:rPr lang="en-US" sz="2800" b="1" dirty="0">
+                <a:latin typeface="Arial" panose="020B0604020202020204" pitchFamily="34" charset="0"/>
+                <a:cs typeface="Arial" panose="020B0604020202020204" pitchFamily="34" charset="0"/>
               </a:rPr>
-              <a:t>DevOps bridge teams together by </a:t>
+              <a:t>Faster </a:t>
             </a:r>
           </a:p>
           <a:p>
             <a:pPr algn="ctr"/>
             <a:r>
-              <a:rPr lang="en-US" sz="3000" b="1" dirty="0">
-                <a:latin typeface="Poppins" panose="00000500000000000000" pitchFamily="2" charset="0"/>
-                <a:cs typeface="Poppins" panose="00000500000000000000" pitchFamily="2" charset="0"/>
+              <a:rPr lang="en-US" sz="2800" b="1" dirty="0">
+                <a:latin typeface="Arial" panose="020B0604020202020204" pitchFamily="34" charset="0"/>
+                <a:cs typeface="Arial" panose="020B0604020202020204" pitchFamily="34" charset="0"/>
               </a:rPr>
-              <a:t>uniting their focus on collaboration and efficiency</a:t>
-            </a:r>
-            <a:endParaRPr lang="en-IN" sz="3000" b="1" dirty="0">
-              <a:latin typeface="Poppins" panose="00000500000000000000" pitchFamily="2" charset="0"/>
-              <a:cs typeface="Poppins" panose="00000500000000000000" pitchFamily="2" charset="0"/>
+              <a:t>Delivery</a:t>
+            </a:r>
+          </a:p>
+          <a:p>
+            <a:pPr algn="ctr"/>
+            <a:endParaRPr lang="en-US" sz="2800" b="1" dirty="0">
+              <a:latin typeface="Arial" panose="020B0604020202020204" pitchFamily="34" charset="0"/>
+              <a:cs typeface="Arial" panose="020B0604020202020204" pitchFamily="34" charset="0"/>
+            </a:endParaRPr>
+          </a:p>
+          <a:p>
+            <a:r>
+              <a:rPr lang="en-US" sz="2000" dirty="0">
+                <a:latin typeface="Arial" panose="020B0604020202020204" pitchFamily="34" charset="0"/>
+                <a:cs typeface="Arial" panose="020B0604020202020204" pitchFamily="34" charset="0"/>
+              </a:rPr>
+              <a:t>Team release features quicker and more often</a:t>
+            </a:r>
+          </a:p>
+          <a:p>
+            <a:pPr algn="ctr"/>
+            <a:endParaRPr lang="en-IN" sz="2800" b="1" dirty="0">
+              <a:latin typeface="Arial" panose="020B0604020202020204" pitchFamily="34" charset="0"/>
+              <a:cs typeface="Arial" panose="020B0604020202020204" pitchFamily="34" charset="0"/>
+            </a:endParaRPr>
+          </a:p>
+        </p:txBody>
+      </p:sp>
+      <p:sp>
+        <p:nvSpPr>
+          <p:cNvPr id="13" name="TextBox 12">
+            <a:extLst>
+              <a:ext uri="{FF2B5EF4-FFF2-40B4-BE49-F238E27FC236}">
+                <a16:creationId xmlns:a16="http://schemas.microsoft.com/office/drawing/2014/main" id="{16CEDD01-5707-E668-AFE4-D262A005600D}"/>
+              </a:ext>
+            </a:extLst>
+          </p:cNvPr>
+          <p:cNvSpPr txBox="1"/>
+          <p:nvPr/>
+        </p:nvSpPr>
+        <p:spPr>
+          <a:xfrm>
+            <a:off x="4625090" y="3230704"/>
+            <a:ext cx="2956810" cy="2431435"/>
+          </a:xfrm>
+          <a:prstGeom prst="rect">
+            <a:avLst/>
+          </a:prstGeom>
+          <a:noFill/>
+        </p:spPr>
+        <p:txBody>
+          <a:bodyPr wrap="square" rtlCol="0">
+            <a:spAutoFit/>
+          </a:bodyPr>
+          <a:lstStyle/>
+          <a:p>
+            <a:pPr algn="ctr"/>
+            <a:r>
+              <a:rPr lang="en-US" sz="2800" b="1" dirty="0">
+                <a:latin typeface="Arial" panose="020B0604020202020204" pitchFamily="34" charset="0"/>
+                <a:cs typeface="Arial" panose="020B0604020202020204" pitchFamily="34" charset="0"/>
+              </a:rPr>
+              <a:t>Better Collaboration</a:t>
+            </a:r>
+          </a:p>
+          <a:p>
+            <a:pPr algn="ctr"/>
+            <a:endParaRPr lang="en-US" sz="2800" b="1" dirty="0">
+              <a:latin typeface="Arial" panose="020B0604020202020204" pitchFamily="34" charset="0"/>
+              <a:cs typeface="Arial" panose="020B0604020202020204" pitchFamily="34" charset="0"/>
+            </a:endParaRPr>
+          </a:p>
+          <a:p>
+            <a:r>
+              <a:rPr lang="en-US" sz="2000" dirty="0">
+                <a:latin typeface="Arial" panose="020B0604020202020204" pitchFamily="34" charset="0"/>
+                <a:cs typeface="Arial" panose="020B0604020202020204" pitchFamily="34" charset="0"/>
+              </a:rPr>
+              <a:t>No more ‘us vs them’</a:t>
+            </a:r>
+          </a:p>
+          <a:p>
+            <a:r>
+              <a:rPr lang="en-US" sz="2000" dirty="0">
+                <a:latin typeface="Arial" panose="020B0604020202020204" pitchFamily="34" charset="0"/>
+                <a:cs typeface="Arial" panose="020B0604020202020204" pitchFamily="34" charset="0"/>
+              </a:rPr>
+              <a:t>Between Devs and Ops</a:t>
+            </a:r>
+          </a:p>
+          <a:p>
+            <a:pPr algn="ctr"/>
+            <a:endParaRPr lang="en-IN" sz="2800" b="1" dirty="0">
+              <a:latin typeface="Arial" panose="020B0604020202020204" pitchFamily="34" charset="0"/>
+              <a:cs typeface="Arial" panose="020B0604020202020204" pitchFamily="34" charset="0"/>
+            </a:endParaRPr>
+          </a:p>
+        </p:txBody>
+      </p:sp>
+      <p:sp>
+        <p:nvSpPr>
+          <p:cNvPr id="14" name="TextBox 13">
+            <a:extLst>
+              <a:ext uri="{FF2B5EF4-FFF2-40B4-BE49-F238E27FC236}">
+                <a16:creationId xmlns:a16="http://schemas.microsoft.com/office/drawing/2014/main" id="{2932EFA6-8D16-D0CB-262A-95959D22FDC0}"/>
+              </a:ext>
+            </a:extLst>
+          </p:cNvPr>
+          <p:cNvSpPr txBox="1"/>
+          <p:nvPr/>
+        </p:nvSpPr>
+        <p:spPr>
+          <a:xfrm>
+            <a:off x="8748918" y="3234602"/>
+            <a:ext cx="3247478" cy="2739211"/>
+          </a:xfrm>
+          <a:prstGeom prst="rect">
+            <a:avLst/>
+          </a:prstGeom>
+          <a:noFill/>
+        </p:spPr>
+        <p:txBody>
+          <a:bodyPr wrap="square" rtlCol="0">
+            <a:spAutoFit/>
+          </a:bodyPr>
+          <a:lstStyle/>
+          <a:p>
+            <a:pPr algn="ctr"/>
+            <a:r>
+              <a:rPr lang="en-US" sz="2800" b="1" dirty="0">
+                <a:latin typeface="Arial" panose="020B0604020202020204" pitchFamily="34" charset="0"/>
+                <a:cs typeface="Arial" panose="020B0604020202020204" pitchFamily="34" charset="0"/>
+              </a:rPr>
+              <a:t>Continuous</a:t>
+            </a:r>
+          </a:p>
+          <a:p>
+            <a:pPr algn="ctr"/>
+            <a:r>
+              <a:rPr lang="en-US" sz="2800" b="1" dirty="0">
+                <a:latin typeface="Arial" panose="020B0604020202020204" pitchFamily="34" charset="0"/>
+                <a:cs typeface="Arial" panose="020B0604020202020204" pitchFamily="34" charset="0"/>
+              </a:rPr>
+              <a:t>Improvement</a:t>
+            </a:r>
+          </a:p>
+          <a:p>
+            <a:pPr algn="ctr"/>
+            <a:endParaRPr lang="en-US" sz="2800" b="1" dirty="0">
+              <a:latin typeface="Arial" panose="020B0604020202020204" pitchFamily="34" charset="0"/>
+              <a:cs typeface="Arial" panose="020B0604020202020204" pitchFamily="34" charset="0"/>
+            </a:endParaRPr>
+          </a:p>
+          <a:p>
+            <a:r>
+              <a:rPr lang="en-US" sz="2000" dirty="0">
+                <a:latin typeface="Arial" panose="020B0604020202020204" pitchFamily="34" charset="0"/>
+                <a:cs typeface="Arial" panose="020B0604020202020204" pitchFamily="34" charset="0"/>
+              </a:rPr>
+              <a:t>The loop means we’re always optimizing, always learning</a:t>
+            </a:r>
+          </a:p>
+          <a:p>
+            <a:pPr algn="ctr"/>
+            <a:endParaRPr lang="en-IN" sz="2800" b="1" dirty="0">
+              <a:latin typeface="Arial" panose="020B0604020202020204" pitchFamily="34" charset="0"/>
+              <a:cs typeface="Arial" panose="020B0604020202020204" pitchFamily="34" charset="0"/>
             </a:endParaRPr>
           </a:p>
         </p:txBody>
@@ -5625,7 +6176,7 @@
     </p:spTree>
     <p:extLst>
       <p:ext uri="{BB962C8B-B14F-4D97-AF65-F5344CB8AC3E}">
-        <p14:creationId xmlns:p14="http://schemas.microsoft.com/office/powerpoint/2010/main" val="3408742645"/>
+        <p14:creationId xmlns:p14="http://schemas.microsoft.com/office/powerpoint/2010/main" val="3813436423"/>
       </p:ext>
     </p:extLst>
   </p:cSld>
@@ -5685,7 +6236,7 @@
         </p:spPr>
         <p:txBody>
           <a:bodyPr vert="horz" lIns="91440" tIns="45720" rIns="91440" bIns="45720" rtlCol="0" anchor="t">
-            <a:normAutofit fontScale="97500"/>
+            <a:normAutofit fontScale="90000"/>
           </a:bodyPr>
           <a:lstStyle>
             <a:lvl1pPr algn="l" defTabSz="914400" rtl="0" eaLnBrk="1" latinLnBrk="0" hangingPunct="1">
@@ -5720,7 +6271,7 @@
                 <a:latin typeface="Poppins" panose="00000500000000000000" pitchFamily="2" charset="0"/>
                 <a:cs typeface="Poppins" panose="00000500000000000000" pitchFamily="2" charset="0"/>
               </a:rPr>
-              <a:t>DevOps Lifecycle?</a:t>
+              <a:t>The problems before DevOps?</a:t>
             </a:r>
             <a:endParaRPr lang="en-IN" sz="5000" b="1" dirty="0">
               <a:solidFill>
@@ -5734,10 +6285,10 @@
       </p:sp>
       <p:pic>
         <p:nvPicPr>
-          <p:cNvPr id="4" name="Graphic 3" descr="Clipboard Mixed with solid fill">
-            <a:extLst>
-              <a:ext uri="{FF2B5EF4-FFF2-40B4-BE49-F238E27FC236}">
-                <a16:creationId xmlns:a16="http://schemas.microsoft.com/office/drawing/2014/main" id="{BD9D1B27-6E9D-F9EC-69EE-4287734BF72D}"/>
+          <p:cNvPr id="5" name="Picture 4" descr="A cartoon of two people with their hands up&#10;&#10;Description automatically generated">
+            <a:extLst>
+              <a:ext uri="{FF2B5EF4-FFF2-40B4-BE49-F238E27FC236}">
+                <a16:creationId xmlns:a16="http://schemas.microsoft.com/office/drawing/2014/main" id="{3D0B4E63-2767-F1DF-488E-25F99B8ACDA3}"/>
               </a:ext>
             </a:extLst>
           </p:cNvPr>
@@ -5749,8 +6300,8 @@
         <p:blipFill>
           <a:blip r:embed="rId2">
             <a:extLst>
-              <a:ext uri="{96DAC541-7B7A-43D3-8B79-37D633B846F1}">
-                <asvg:svgBlip xmlns:asvg="http://schemas.microsoft.com/office/drawing/2016/SVG/main" r:embed="rId3"/>
+              <a:ext uri="{28A0092B-C50C-407E-A947-70E740481C1C}">
+                <a14:useLocalDpi xmlns:a14="http://schemas.microsoft.com/office/drawing/2010/main" val="0"/>
               </a:ext>
             </a:extLst>
           </a:blip>
@@ -5760,8 +6311,8 @@
         </p:blipFill>
         <p:spPr>
           <a:xfrm>
-            <a:off x="1215572" y="3429000"/>
-            <a:ext cx="1182914" cy="1182914"/>
+            <a:off x="-724761" y="524044"/>
+            <a:ext cx="6904692" cy="4603128"/>
           </a:xfrm>
           <a:prstGeom prst="rect">
             <a:avLst/>
@@ -5770,10 +6321,10 @@
       </p:pic>
       <p:pic>
         <p:nvPicPr>
-          <p:cNvPr id="6" name="Graphic 5" descr="Delivery with solid fill">
-            <a:extLst>
-              <a:ext uri="{FF2B5EF4-FFF2-40B4-BE49-F238E27FC236}">
-                <a16:creationId xmlns:a16="http://schemas.microsoft.com/office/drawing/2014/main" id="{FDBDC5CE-1AAA-541C-C37B-E2DC41C89815}"/>
+          <p:cNvPr id="8" name="Picture 7" descr="A couple of people holding boxes&#10;&#10;Description automatically generated">
+            <a:extLst>
+              <a:ext uri="{FF2B5EF4-FFF2-40B4-BE49-F238E27FC236}">
+                <a16:creationId xmlns:a16="http://schemas.microsoft.com/office/drawing/2014/main" id="{2A2A93C4-4AA9-3091-A10F-1560D0377991}"/>
               </a:ext>
             </a:extLst>
           </p:cNvPr>
@@ -5783,10 +6334,10 @@
           <p:nvPr/>
         </p:nvPicPr>
         <p:blipFill>
-          <a:blip r:embed="rId4">
-            <a:extLst>
-              <a:ext uri="{96DAC541-7B7A-43D3-8B79-37D633B846F1}">
-                <asvg:svgBlip xmlns:asvg="http://schemas.microsoft.com/office/drawing/2016/SVG/main" r:embed="rId5"/>
+          <a:blip r:embed="rId3">
+            <a:extLst>
+              <a:ext uri="{28A0092B-C50C-407E-A947-70E740481C1C}">
+                <a14:useLocalDpi xmlns:a14="http://schemas.microsoft.com/office/drawing/2010/main" val="0"/>
               </a:ext>
             </a:extLst>
           </a:blip>
@@ -5796,327 +6347,18 @@
         </p:blipFill>
         <p:spPr>
           <a:xfrm>
-            <a:off x="5504543" y="3429000"/>
-            <a:ext cx="1182914" cy="1182914"/>
+            <a:off x="5909488" y="2377850"/>
+            <a:ext cx="6720225" cy="4480150"/>
           </a:xfrm>
           <a:prstGeom prst="rect">
             <a:avLst/>
           </a:prstGeom>
         </p:spPr>
       </p:pic>
-      <p:pic>
-        <p:nvPicPr>
-          <p:cNvPr id="8" name="Graphic 7" descr="Box with solid fill">
-            <a:extLst>
-              <a:ext uri="{FF2B5EF4-FFF2-40B4-BE49-F238E27FC236}">
-                <a16:creationId xmlns:a16="http://schemas.microsoft.com/office/drawing/2014/main" id="{8B9C6A47-DF2A-169D-94FF-52158F7217C3}"/>
-              </a:ext>
-            </a:extLst>
-          </p:cNvPr>
-          <p:cNvPicPr>
-            <a:picLocks noChangeAspect="1"/>
-          </p:cNvPicPr>
-          <p:nvPr/>
-        </p:nvPicPr>
-        <p:blipFill>
-          <a:blip r:embed="rId6">
-            <a:extLst>
-              <a:ext uri="{96DAC541-7B7A-43D3-8B79-37D633B846F1}">
-                <asvg:svgBlip xmlns:asvg="http://schemas.microsoft.com/office/drawing/2016/SVG/main" r:embed="rId7"/>
-              </a:ext>
-            </a:extLst>
-          </a:blip>
-          <a:stretch>
-            <a:fillRect/>
-          </a:stretch>
-        </p:blipFill>
-        <p:spPr>
-          <a:xfrm>
-            <a:off x="9793514" y="3429000"/>
-            <a:ext cx="1182914" cy="1182914"/>
-          </a:xfrm>
-          <a:prstGeom prst="rect">
-            <a:avLst/>
-          </a:prstGeom>
-        </p:spPr>
-      </p:pic>
-      <p:pic>
-        <p:nvPicPr>
-          <p:cNvPr id="10" name="Graphic 9" descr="Arrow Right with solid fill">
-            <a:extLst>
-              <a:ext uri="{FF2B5EF4-FFF2-40B4-BE49-F238E27FC236}">
-                <a16:creationId xmlns:a16="http://schemas.microsoft.com/office/drawing/2014/main" id="{067A6ECE-2115-BEDC-90D8-3EAA0D3DC646}"/>
-              </a:ext>
-            </a:extLst>
-          </p:cNvPr>
-          <p:cNvPicPr>
-            <a:picLocks noChangeAspect="1"/>
-          </p:cNvPicPr>
-          <p:nvPr/>
-        </p:nvPicPr>
-        <p:blipFill>
-          <a:blip r:embed="rId8">
-            <a:extLst>
-              <a:ext uri="{96DAC541-7B7A-43D3-8B79-37D633B846F1}">
-                <asvg:svgBlip xmlns:asvg="http://schemas.microsoft.com/office/drawing/2016/SVG/main" r:embed="rId9"/>
-              </a:ext>
-            </a:extLst>
-          </a:blip>
-          <a:stretch>
-            <a:fillRect/>
-          </a:stretch>
-        </p:blipFill>
-        <p:spPr>
-          <a:xfrm>
-            <a:off x="7986488" y="4053451"/>
-            <a:ext cx="914400" cy="914400"/>
-          </a:xfrm>
-          <a:prstGeom prst="rect">
-            <a:avLst/>
-          </a:prstGeom>
-        </p:spPr>
-      </p:pic>
-      <p:pic>
-        <p:nvPicPr>
-          <p:cNvPr id="11" name="Graphic 10" descr="Arrow Right with solid fill">
-            <a:extLst>
-              <a:ext uri="{FF2B5EF4-FFF2-40B4-BE49-F238E27FC236}">
-                <a16:creationId xmlns:a16="http://schemas.microsoft.com/office/drawing/2014/main" id="{58412F27-81B4-BC8D-F59F-7EF3DB2CA706}"/>
-              </a:ext>
-            </a:extLst>
-          </p:cNvPr>
-          <p:cNvPicPr>
-            <a:picLocks noChangeAspect="1"/>
-          </p:cNvPicPr>
-          <p:nvPr/>
-        </p:nvPicPr>
-        <p:blipFill>
-          <a:blip r:embed="rId8">
-            <a:extLst>
-              <a:ext uri="{96DAC541-7B7A-43D3-8B79-37D633B846F1}">
-                <asvg:svgBlip xmlns:asvg="http://schemas.microsoft.com/office/drawing/2016/SVG/main" r:embed="rId9"/>
-              </a:ext>
-            </a:extLst>
-          </a:blip>
-          <a:stretch>
-            <a:fillRect/>
-          </a:stretch>
-        </p:blipFill>
-        <p:spPr>
-          <a:xfrm>
-            <a:off x="3196771" y="4053451"/>
-            <a:ext cx="914400" cy="914400"/>
-          </a:xfrm>
-          <a:prstGeom prst="rect">
-            <a:avLst/>
-          </a:prstGeom>
-        </p:spPr>
-      </p:pic>
-      <p:sp>
-        <p:nvSpPr>
-          <p:cNvPr id="13" name="TextBox 12">
-            <a:extLst>
-              <a:ext uri="{FF2B5EF4-FFF2-40B4-BE49-F238E27FC236}">
-                <a16:creationId xmlns:a16="http://schemas.microsoft.com/office/drawing/2014/main" id="{848233F9-8AF6-9CE1-770F-FCCA8047D701}"/>
-              </a:ext>
-            </a:extLst>
-          </p:cNvPr>
-          <p:cNvSpPr txBox="1"/>
-          <p:nvPr/>
-        </p:nvSpPr>
-        <p:spPr>
-          <a:xfrm>
-            <a:off x="669470" y="4845085"/>
-            <a:ext cx="2527300" cy="1015663"/>
-          </a:xfrm>
-          <a:prstGeom prst="rect">
-            <a:avLst/>
-          </a:prstGeom>
-          <a:noFill/>
-        </p:spPr>
-        <p:txBody>
-          <a:bodyPr wrap="square" rtlCol="0">
-            <a:spAutoFit/>
-          </a:bodyPr>
-          <a:lstStyle/>
-          <a:p>
-            <a:pPr algn="ctr"/>
-            <a:r>
-              <a:rPr lang="en-US" sz="3000" b="1" dirty="0">
-                <a:latin typeface="Poppins" panose="00000500000000000000" pitchFamily="2" charset="0"/>
-                <a:cs typeface="Poppins" panose="00000500000000000000" pitchFamily="2" charset="0"/>
-              </a:rPr>
-              <a:t>Continuous </a:t>
-            </a:r>
-          </a:p>
-          <a:p>
-            <a:pPr algn="ctr"/>
-            <a:r>
-              <a:rPr lang="en-US" sz="3000" b="1" dirty="0">
-                <a:latin typeface="Poppins" panose="00000500000000000000" pitchFamily="2" charset="0"/>
-                <a:cs typeface="Poppins" panose="00000500000000000000" pitchFamily="2" charset="0"/>
-              </a:rPr>
-              <a:t>Integration</a:t>
-            </a:r>
-            <a:endParaRPr lang="en-IN" sz="3000" b="1" dirty="0">
-              <a:latin typeface="Poppins" panose="00000500000000000000" pitchFamily="2" charset="0"/>
-              <a:cs typeface="Poppins" panose="00000500000000000000" pitchFamily="2" charset="0"/>
-            </a:endParaRPr>
-          </a:p>
-        </p:txBody>
-      </p:sp>
-      <p:sp>
-        <p:nvSpPr>
-          <p:cNvPr id="14" name="TextBox 13">
-            <a:extLst>
-              <a:ext uri="{FF2B5EF4-FFF2-40B4-BE49-F238E27FC236}">
-                <a16:creationId xmlns:a16="http://schemas.microsoft.com/office/drawing/2014/main" id="{052CDB47-D675-91D0-B427-03006FF58E68}"/>
-              </a:ext>
-            </a:extLst>
-          </p:cNvPr>
-          <p:cNvSpPr txBox="1"/>
-          <p:nvPr/>
-        </p:nvSpPr>
-        <p:spPr>
-          <a:xfrm>
-            <a:off x="4765888" y="4896222"/>
-            <a:ext cx="2573141" cy="1015663"/>
-          </a:xfrm>
-          <a:prstGeom prst="rect">
-            <a:avLst/>
-          </a:prstGeom>
-          <a:noFill/>
-        </p:spPr>
-        <p:txBody>
-          <a:bodyPr wrap="none" rtlCol="0">
-            <a:spAutoFit/>
-          </a:bodyPr>
-          <a:lstStyle/>
-          <a:p>
-            <a:pPr algn="ctr"/>
-            <a:r>
-              <a:rPr lang="en-US" sz="3000" b="1" dirty="0">
-                <a:latin typeface="Poppins" panose="00000500000000000000" pitchFamily="2" charset="0"/>
-                <a:cs typeface="Poppins" panose="00000500000000000000" pitchFamily="2" charset="0"/>
-              </a:rPr>
-              <a:t>Continuous </a:t>
-            </a:r>
-          </a:p>
-          <a:p>
-            <a:pPr algn="ctr"/>
-            <a:r>
-              <a:rPr lang="en-US" sz="3000" b="1" dirty="0">
-                <a:latin typeface="Poppins" panose="00000500000000000000" pitchFamily="2" charset="0"/>
-                <a:cs typeface="Poppins" panose="00000500000000000000" pitchFamily="2" charset="0"/>
-              </a:rPr>
-              <a:t>Delivery</a:t>
-            </a:r>
-            <a:endParaRPr lang="en-IN" sz="3000" b="1" dirty="0">
-              <a:latin typeface="Poppins" panose="00000500000000000000" pitchFamily="2" charset="0"/>
-              <a:cs typeface="Poppins" panose="00000500000000000000" pitchFamily="2" charset="0"/>
-            </a:endParaRPr>
-          </a:p>
-        </p:txBody>
-      </p:sp>
-      <p:sp>
-        <p:nvSpPr>
-          <p:cNvPr id="15" name="TextBox 14">
-            <a:extLst>
-              <a:ext uri="{FF2B5EF4-FFF2-40B4-BE49-F238E27FC236}">
-                <a16:creationId xmlns:a16="http://schemas.microsoft.com/office/drawing/2014/main" id="{436EBFE1-DC47-D8E3-A29F-10FF2AD1ABD0}"/>
-              </a:ext>
-            </a:extLst>
-          </p:cNvPr>
-          <p:cNvSpPr txBox="1"/>
-          <p:nvPr/>
-        </p:nvSpPr>
-        <p:spPr>
-          <a:xfrm>
-            <a:off x="9072753" y="4896222"/>
-            <a:ext cx="2624436" cy="1015663"/>
-          </a:xfrm>
-          <a:prstGeom prst="rect">
-            <a:avLst/>
-          </a:prstGeom>
-          <a:noFill/>
-        </p:spPr>
-        <p:txBody>
-          <a:bodyPr wrap="none" rtlCol="0">
-            <a:spAutoFit/>
-          </a:bodyPr>
-          <a:lstStyle/>
-          <a:p>
-            <a:pPr algn="ctr"/>
-            <a:r>
-              <a:rPr lang="en-US" sz="3000" b="1" dirty="0">
-                <a:latin typeface="Poppins" panose="00000500000000000000" pitchFamily="2" charset="0"/>
-                <a:cs typeface="Poppins" panose="00000500000000000000" pitchFamily="2" charset="0"/>
-              </a:rPr>
-              <a:t>Continuous </a:t>
-            </a:r>
-          </a:p>
-          <a:p>
-            <a:pPr algn="ctr"/>
-            <a:r>
-              <a:rPr lang="en-US" sz="3000" b="1" dirty="0">
-                <a:latin typeface="Poppins" panose="00000500000000000000" pitchFamily="2" charset="0"/>
-                <a:cs typeface="Poppins" panose="00000500000000000000" pitchFamily="2" charset="0"/>
-              </a:rPr>
-              <a:t>Deployment</a:t>
-            </a:r>
-            <a:endParaRPr lang="en-IN" sz="3000" b="1" dirty="0">
-              <a:latin typeface="Poppins" panose="00000500000000000000" pitchFamily="2" charset="0"/>
-              <a:cs typeface="Poppins" panose="00000500000000000000" pitchFamily="2" charset="0"/>
-            </a:endParaRPr>
-          </a:p>
-        </p:txBody>
-      </p:sp>
-      <p:sp>
-        <p:nvSpPr>
-          <p:cNvPr id="16" name="TextBox 15">
-            <a:extLst>
-              <a:ext uri="{FF2B5EF4-FFF2-40B4-BE49-F238E27FC236}">
-                <a16:creationId xmlns:a16="http://schemas.microsoft.com/office/drawing/2014/main" id="{1C452BA3-06A4-992D-8F7B-36741E6F4F7F}"/>
-              </a:ext>
-            </a:extLst>
-          </p:cNvPr>
-          <p:cNvSpPr txBox="1"/>
-          <p:nvPr/>
-        </p:nvSpPr>
-        <p:spPr>
-          <a:xfrm>
-            <a:off x="743858" y="1637057"/>
-            <a:ext cx="9931400" cy="492443"/>
-          </a:xfrm>
-          <a:prstGeom prst="rect">
-            <a:avLst/>
-          </a:prstGeom>
-          <a:noFill/>
-        </p:spPr>
-        <p:txBody>
-          <a:bodyPr wrap="square" rtlCol="0">
-            <a:spAutoFit/>
-          </a:bodyPr>
-          <a:lstStyle/>
-          <a:p>
-            <a:r>
-              <a:rPr lang="en-US" sz="2600" dirty="0">
-                <a:latin typeface="Arial" panose="020B0604020202020204" pitchFamily="34" charset="0"/>
-                <a:cs typeface="Arial" panose="020B0604020202020204" pitchFamily="34" charset="0"/>
-              </a:rPr>
-              <a:t>The lifecycle generally consists of three phases </a:t>
-            </a:r>
-            <a:endParaRPr lang="en-IN" sz="2600" dirty="0">
-              <a:latin typeface="Arial" panose="020B0604020202020204" pitchFamily="34" charset="0"/>
-              <a:cs typeface="Arial" panose="020B0604020202020204" pitchFamily="34" charset="0"/>
-            </a:endParaRPr>
-          </a:p>
-        </p:txBody>
-      </p:sp>
     </p:spTree>
     <p:extLst>
       <p:ext uri="{BB962C8B-B14F-4D97-AF65-F5344CB8AC3E}">
-        <p14:creationId xmlns:p14="http://schemas.microsoft.com/office/powerpoint/2010/main" val="3482856022"/>
+        <p14:creationId xmlns:p14="http://schemas.microsoft.com/office/powerpoint/2010/main" val="3942756179"/>
       </p:ext>
     </p:extLst>
   </p:cSld>
@@ -6211,7 +6453,7 @@
                 <a:latin typeface="Poppins" panose="00000500000000000000" pitchFamily="2" charset="0"/>
                 <a:cs typeface="Poppins" panose="00000500000000000000" pitchFamily="2" charset="0"/>
               </a:rPr>
-              <a:t>Life Cycle</a:t>
+              <a:t>Enters DevOps?</a:t>
             </a:r>
             <a:endParaRPr lang="en-IN" sz="5000" b="1" dirty="0">
               <a:solidFill>
@@ -6225,10 +6467,10 @@
       </p:sp>
       <p:pic>
         <p:nvPicPr>
-          <p:cNvPr id="3" name="Picture 2" descr="A diagram of a process&#10;&#10;Description automatically generated">
-            <a:extLst>
-              <a:ext uri="{FF2B5EF4-FFF2-40B4-BE49-F238E27FC236}">
-                <a16:creationId xmlns:a16="http://schemas.microsoft.com/office/drawing/2014/main" id="{95EE26F1-EA53-F046-68D8-DD52948F4FB0}"/>
+          <p:cNvPr id="3" name="Picture 2" descr="A person and person giving each other high fiving">
+            <a:extLst>
+              <a:ext uri="{FF2B5EF4-FFF2-40B4-BE49-F238E27FC236}">
+                <a16:creationId xmlns:a16="http://schemas.microsoft.com/office/drawing/2014/main" id="{4F2B1412-8E8E-C09B-0FE3-0CAB1FB75908}"/>
               </a:ext>
             </a:extLst>
           </p:cNvPr>
@@ -6245,23 +6487,77 @@
               </a:ext>
             </a:extLst>
           </a:blip>
-          <a:srcRect t="32540" b="23174"/>
-          <a:stretch/>
+          <a:stretch>
+            <a:fillRect/>
+          </a:stretch>
         </p:blipFill>
         <p:spPr>
           <a:xfrm>
-            <a:off x="952500" y="1910442"/>
-            <a:ext cx="10287000" cy="3037116"/>
+            <a:off x="952500" y="0"/>
+            <a:ext cx="10287000" cy="6858000"/>
           </a:xfrm>
           <a:prstGeom prst="rect">
             <a:avLst/>
           </a:prstGeom>
         </p:spPr>
       </p:pic>
+      <p:sp>
+        <p:nvSpPr>
+          <p:cNvPr id="4" name="TextBox 3">
+            <a:extLst>
+              <a:ext uri="{FF2B5EF4-FFF2-40B4-BE49-F238E27FC236}">
+                <a16:creationId xmlns:a16="http://schemas.microsoft.com/office/drawing/2014/main" id="{2392A946-955E-F461-3D82-F7F142EB92C7}"/>
+              </a:ext>
+            </a:extLst>
+          </p:cNvPr>
+          <p:cNvSpPr txBox="1"/>
+          <p:nvPr/>
+        </p:nvSpPr>
+        <p:spPr>
+          <a:xfrm>
+            <a:off x="816430" y="5159829"/>
+            <a:ext cx="10286999" cy="1015663"/>
+          </a:xfrm>
+          <a:prstGeom prst="rect">
+            <a:avLst/>
+          </a:prstGeom>
+          <a:noFill/>
+        </p:spPr>
+        <p:txBody>
+          <a:bodyPr wrap="square" rtlCol="0">
+            <a:spAutoFit/>
+          </a:bodyPr>
+          <a:lstStyle/>
+          <a:p>
+            <a:pPr algn="ctr"/>
+            <a:r>
+              <a:rPr lang="en-US" sz="3000" b="1" dirty="0">
+                <a:latin typeface="Poppins" panose="00000500000000000000" pitchFamily="2" charset="0"/>
+                <a:cs typeface="Poppins" panose="00000500000000000000" pitchFamily="2" charset="0"/>
+              </a:rPr>
+              <a:t>DevOps bridge teams together by </a:t>
+            </a:r>
+          </a:p>
+          <a:p>
+            <a:pPr algn="ctr"/>
+            <a:r>
+              <a:rPr lang="en-US" sz="3000" b="1" dirty="0">
+                <a:latin typeface="Poppins" panose="00000500000000000000" pitchFamily="2" charset="0"/>
+                <a:cs typeface="Poppins" panose="00000500000000000000" pitchFamily="2" charset="0"/>
+              </a:rPr>
+              <a:t>uniting their focus on collaboration and efficiency</a:t>
+            </a:r>
+            <a:endParaRPr lang="en-IN" sz="3000" b="1" dirty="0">
+              <a:latin typeface="Poppins" panose="00000500000000000000" pitchFamily="2" charset="0"/>
+              <a:cs typeface="Poppins" panose="00000500000000000000" pitchFamily="2" charset="0"/>
+            </a:endParaRPr>
+          </a:p>
+        </p:txBody>
+      </p:sp>
     </p:spTree>
     <p:extLst>
       <p:ext uri="{BB962C8B-B14F-4D97-AF65-F5344CB8AC3E}">
-        <p14:creationId xmlns:p14="http://schemas.microsoft.com/office/powerpoint/2010/main" val="2347952711"/>
+        <p14:creationId xmlns:p14="http://schemas.microsoft.com/office/powerpoint/2010/main" val="3408742645"/>
       </p:ext>
     </p:extLst>
   </p:cSld>
@@ -6356,7 +6652,7 @@
                 <a:latin typeface="Poppins" panose="00000500000000000000" pitchFamily="2" charset="0"/>
                 <a:cs typeface="Poppins" panose="00000500000000000000" pitchFamily="2" charset="0"/>
               </a:rPr>
-              <a:t>Netflix: Case Study</a:t>
+              <a:t>DevOps Lifecycle?</a:t>
             </a:r>
             <a:endParaRPr lang="en-IN" sz="5000" b="1" dirty="0">
               <a:solidFill>
@@ -6368,54 +6664,12 @@
           </a:p>
         </p:txBody>
       </p:sp>
-      <p:sp>
-        <p:nvSpPr>
-          <p:cNvPr id="2" name="TextBox 1">
-            <a:extLst>
-              <a:ext uri="{FF2B5EF4-FFF2-40B4-BE49-F238E27FC236}">
-                <a16:creationId xmlns:a16="http://schemas.microsoft.com/office/drawing/2014/main" id="{580B843C-30FD-7E5E-8A3F-01AD955B388A}"/>
-              </a:ext>
-            </a:extLst>
-          </p:cNvPr>
-          <p:cNvSpPr txBox="1"/>
-          <p:nvPr/>
-        </p:nvSpPr>
-        <p:spPr>
-          <a:xfrm>
-            <a:off x="352922" y="1480457"/>
-            <a:ext cx="11125200" cy="830997"/>
-          </a:xfrm>
-          <a:prstGeom prst="rect">
-            <a:avLst/>
-          </a:prstGeom>
-          <a:noFill/>
-        </p:spPr>
-        <p:txBody>
-          <a:bodyPr wrap="square" rtlCol="0">
-            <a:spAutoFit/>
-          </a:bodyPr>
-          <a:lstStyle/>
-          <a:p>
-            <a:r>
-              <a:rPr lang="en-US" sz="2400" dirty="0">
-                <a:latin typeface="Arial" panose="020B0604020202020204" pitchFamily="34" charset="0"/>
-                <a:cs typeface="Arial" panose="020B0604020202020204" pitchFamily="34" charset="0"/>
-              </a:rPr>
-              <a:t>When Netflix got popular it started struggled to maintain high availability, rapid innovation, and top-tier user experience </a:t>
-            </a:r>
-            <a:endParaRPr lang="en-IN" sz="2400" dirty="0">
-              <a:latin typeface="Arial" panose="020B0604020202020204" pitchFamily="34" charset="0"/>
-              <a:cs typeface="Arial" panose="020B0604020202020204" pitchFamily="34" charset="0"/>
-            </a:endParaRPr>
-          </a:p>
-        </p:txBody>
-      </p:sp>
       <p:pic>
         <p:nvPicPr>
-          <p:cNvPr id="6" name="Picture 5" descr="A screenshot of a computer&#10;&#10;Description automatically generated">
-            <a:extLst>
-              <a:ext uri="{FF2B5EF4-FFF2-40B4-BE49-F238E27FC236}">
-                <a16:creationId xmlns:a16="http://schemas.microsoft.com/office/drawing/2014/main" id="{0F4350E1-6D3D-6C86-BDD7-BEF8599018F6}"/>
+          <p:cNvPr id="4" name="Graphic 3" descr="Clipboard Mixed with solid fill">
+            <a:extLst>
+              <a:ext uri="{FF2B5EF4-FFF2-40B4-BE49-F238E27FC236}">
+                <a16:creationId xmlns:a16="http://schemas.microsoft.com/office/drawing/2014/main" id="{BD9D1B27-6E9D-F9EC-69EE-4287734BF72D}"/>
               </a:ext>
             </a:extLst>
           </p:cNvPr>
@@ -6427,73 +6681,31 @@
         <p:blipFill>
           <a:blip r:embed="rId2">
             <a:extLst>
-              <a:ext uri="{28A0092B-C50C-407E-A947-70E740481C1C}">
-                <a14:useLocalDpi xmlns:a14="http://schemas.microsoft.com/office/drawing/2010/main" val="0"/>
+              <a:ext uri="{96DAC541-7B7A-43D3-8B79-37D633B846F1}">
+                <asvg:svgBlip xmlns:asvg="http://schemas.microsoft.com/office/drawing/2016/SVG/main" r:embed="rId3"/>
               </a:ext>
             </a:extLst>
           </a:blip>
-          <a:srcRect l="6509" t="23175" r="3544" b="54742"/>
-          <a:stretch/>
+          <a:stretch>
+            <a:fillRect/>
+          </a:stretch>
         </p:blipFill>
         <p:spPr>
           <a:xfrm>
-            <a:off x="473812" y="3310819"/>
-            <a:ext cx="6333190" cy="1036581"/>
+            <a:off x="1215572" y="3429000"/>
+            <a:ext cx="1182914" cy="1182914"/>
           </a:xfrm>
           <a:prstGeom prst="rect">
             <a:avLst/>
           </a:prstGeom>
         </p:spPr>
       </p:pic>
-      <p:sp>
-        <p:nvSpPr>
-          <p:cNvPr id="7" name="TextBox 6">
-            <a:extLst>
-              <a:ext uri="{FF2B5EF4-FFF2-40B4-BE49-F238E27FC236}">
-                <a16:creationId xmlns:a16="http://schemas.microsoft.com/office/drawing/2014/main" id="{C3382F73-EBFD-47BD-344C-23702760713E}"/>
-              </a:ext>
-            </a:extLst>
-          </p:cNvPr>
-          <p:cNvSpPr txBox="1"/>
-          <p:nvPr/>
-        </p:nvSpPr>
-        <p:spPr>
-          <a:xfrm>
-            <a:off x="141514" y="2800598"/>
-            <a:ext cx="4038600" cy="400110"/>
-          </a:xfrm>
-          <a:prstGeom prst="rect">
-            <a:avLst/>
-          </a:prstGeom>
-          <a:noFill/>
-        </p:spPr>
-        <p:txBody>
-          <a:bodyPr wrap="square" rtlCol="0">
-            <a:spAutoFit/>
-          </a:bodyPr>
-          <a:lstStyle/>
-          <a:p>
-            <a:pPr algn="ctr"/>
-            <a:r>
-              <a:rPr lang="en-US" sz="2000" b="1" dirty="0">
-                <a:latin typeface="Poppins" panose="00000500000000000000" pitchFamily="2" charset="0"/>
-                <a:cs typeface="Poppins" panose="00000500000000000000" pitchFamily="2" charset="0"/>
-              </a:rPr>
-              <a:t>Challenges faced by Netflix</a:t>
-            </a:r>
-            <a:endParaRPr lang="en-IN" sz="2000" b="1" dirty="0">
-              <a:latin typeface="Poppins" panose="00000500000000000000" pitchFamily="2" charset="0"/>
-              <a:cs typeface="Poppins" panose="00000500000000000000" pitchFamily="2" charset="0"/>
-            </a:endParaRPr>
-          </a:p>
-        </p:txBody>
-      </p:sp>
       <p:pic>
         <p:nvPicPr>
-          <p:cNvPr id="9" name="Picture 8" descr="A screenshot of a computer&#10;&#10;Description automatically generated">
-            <a:extLst>
-              <a:ext uri="{FF2B5EF4-FFF2-40B4-BE49-F238E27FC236}">
-                <a16:creationId xmlns:a16="http://schemas.microsoft.com/office/drawing/2014/main" id="{BD1950E4-61E7-4842-7AB2-F45B497F8AFD}"/>
+          <p:cNvPr id="6" name="Graphic 5" descr="Delivery with solid fill">
+            <a:extLst>
+              <a:ext uri="{FF2B5EF4-FFF2-40B4-BE49-F238E27FC236}">
+                <a16:creationId xmlns:a16="http://schemas.microsoft.com/office/drawing/2014/main" id="{FDBDC5CE-1AAA-541C-C37B-E2DC41C89815}"/>
               </a:ext>
             </a:extLst>
           </p:cNvPr>
@@ -6503,20 +6715,21 @@
           <p:nvPr/>
         </p:nvPicPr>
         <p:blipFill>
-          <a:blip r:embed="rId2">
-            <a:extLst>
-              <a:ext uri="{28A0092B-C50C-407E-A947-70E740481C1C}">
-                <a14:useLocalDpi xmlns:a14="http://schemas.microsoft.com/office/drawing/2010/main" val="0"/>
+          <a:blip r:embed="rId4">
+            <a:extLst>
+              <a:ext uri="{96DAC541-7B7A-43D3-8B79-37D633B846F1}">
+                <asvg:svgBlip xmlns:asvg="http://schemas.microsoft.com/office/drawing/2016/SVG/main" r:embed="rId5"/>
               </a:ext>
             </a:extLst>
           </a:blip>
-          <a:srcRect l="8624" t="46671" r="13598" b="33704"/>
-          <a:stretch/>
+          <a:stretch>
+            <a:fillRect/>
+          </a:stretch>
         </p:blipFill>
         <p:spPr>
           <a:xfrm>
-            <a:off x="578373" y="4432615"/>
-            <a:ext cx="5914956" cy="994948"/>
+            <a:off x="5504543" y="3429000"/>
+            <a:ext cx="1182914" cy="1182914"/>
           </a:xfrm>
           <a:prstGeom prst="rect">
             <a:avLst/>
@@ -6525,10 +6738,10 @@
       </p:pic>
       <p:pic>
         <p:nvPicPr>
-          <p:cNvPr id="10" name="Picture 9" descr="A screenshot of a computer&#10;&#10;Description automatically generated">
-            <a:extLst>
-              <a:ext uri="{FF2B5EF4-FFF2-40B4-BE49-F238E27FC236}">
-                <a16:creationId xmlns:a16="http://schemas.microsoft.com/office/drawing/2014/main" id="{0FDCA3BC-7D65-DA2E-AE9A-02F9C2964729}"/>
+          <p:cNvPr id="8" name="Graphic 7" descr="Box with solid fill">
+            <a:extLst>
+              <a:ext uri="{FF2B5EF4-FFF2-40B4-BE49-F238E27FC236}">
+                <a16:creationId xmlns:a16="http://schemas.microsoft.com/office/drawing/2014/main" id="{8B9C6A47-DF2A-169D-94FF-52158F7217C3}"/>
               </a:ext>
             </a:extLst>
           </p:cNvPr>
@@ -6538,30 +6751,304 @@
           <p:nvPr/>
         </p:nvPicPr>
         <p:blipFill>
-          <a:blip r:embed="rId2">
-            <a:extLst>
-              <a:ext uri="{28A0092B-C50C-407E-A947-70E740481C1C}">
-                <a14:useLocalDpi xmlns:a14="http://schemas.microsoft.com/office/drawing/2010/main" val="0"/>
+          <a:blip r:embed="rId6">
+            <a:extLst>
+              <a:ext uri="{96DAC541-7B7A-43D3-8B79-37D633B846F1}">
+                <asvg:svgBlip xmlns:asvg="http://schemas.microsoft.com/office/drawing/2016/SVG/main" r:embed="rId7"/>
               </a:ext>
             </a:extLst>
           </a:blip>
-          <a:srcRect l="5029" t="67311" r="5025" b="5530"/>
-          <a:stretch/>
+          <a:stretch>
+            <a:fillRect/>
+          </a:stretch>
         </p:blipFill>
         <p:spPr>
           <a:xfrm>
-            <a:off x="385585" y="5512778"/>
-            <a:ext cx="6124073" cy="1232778"/>
+            <a:off x="9793514" y="3429000"/>
+            <a:ext cx="1182914" cy="1182914"/>
           </a:xfrm>
           <a:prstGeom prst="rect">
             <a:avLst/>
           </a:prstGeom>
         </p:spPr>
       </p:pic>
+      <p:pic>
+        <p:nvPicPr>
+          <p:cNvPr id="10" name="Graphic 9" descr="Arrow Right with solid fill">
+            <a:extLst>
+              <a:ext uri="{FF2B5EF4-FFF2-40B4-BE49-F238E27FC236}">
+                <a16:creationId xmlns:a16="http://schemas.microsoft.com/office/drawing/2014/main" id="{067A6ECE-2115-BEDC-90D8-3EAA0D3DC646}"/>
+              </a:ext>
+            </a:extLst>
+          </p:cNvPr>
+          <p:cNvPicPr>
+            <a:picLocks noChangeAspect="1"/>
+          </p:cNvPicPr>
+          <p:nvPr/>
+        </p:nvPicPr>
+        <p:blipFill>
+          <a:blip r:embed="rId8">
+            <a:extLst>
+              <a:ext uri="{96DAC541-7B7A-43D3-8B79-37D633B846F1}">
+                <asvg:svgBlip xmlns:asvg="http://schemas.microsoft.com/office/drawing/2016/SVG/main" r:embed="rId9"/>
+              </a:ext>
+            </a:extLst>
+          </a:blip>
+          <a:stretch>
+            <a:fillRect/>
+          </a:stretch>
+        </p:blipFill>
+        <p:spPr>
+          <a:xfrm>
+            <a:off x="7986488" y="4053451"/>
+            <a:ext cx="914400" cy="914400"/>
+          </a:xfrm>
+          <a:prstGeom prst="rect">
+            <a:avLst/>
+          </a:prstGeom>
+        </p:spPr>
+      </p:pic>
+      <p:pic>
+        <p:nvPicPr>
+          <p:cNvPr id="11" name="Graphic 10" descr="Arrow Right with solid fill">
+            <a:extLst>
+              <a:ext uri="{FF2B5EF4-FFF2-40B4-BE49-F238E27FC236}">
+                <a16:creationId xmlns:a16="http://schemas.microsoft.com/office/drawing/2014/main" id="{58412F27-81B4-BC8D-F59F-7EF3DB2CA706}"/>
+              </a:ext>
+            </a:extLst>
+          </p:cNvPr>
+          <p:cNvPicPr>
+            <a:picLocks noChangeAspect="1"/>
+          </p:cNvPicPr>
+          <p:nvPr/>
+        </p:nvPicPr>
+        <p:blipFill>
+          <a:blip r:embed="rId8">
+            <a:extLst>
+              <a:ext uri="{96DAC541-7B7A-43D3-8B79-37D633B846F1}">
+                <asvg:svgBlip xmlns:asvg="http://schemas.microsoft.com/office/drawing/2016/SVG/main" r:embed="rId9"/>
+              </a:ext>
+            </a:extLst>
+          </a:blip>
+          <a:stretch>
+            <a:fillRect/>
+          </a:stretch>
+        </p:blipFill>
+        <p:spPr>
+          <a:xfrm>
+            <a:off x="3196771" y="4053451"/>
+            <a:ext cx="914400" cy="914400"/>
+          </a:xfrm>
+          <a:prstGeom prst="rect">
+            <a:avLst/>
+          </a:prstGeom>
+        </p:spPr>
+      </p:pic>
+      <p:sp>
+        <p:nvSpPr>
+          <p:cNvPr id="13" name="TextBox 12">
+            <a:extLst>
+              <a:ext uri="{FF2B5EF4-FFF2-40B4-BE49-F238E27FC236}">
+                <a16:creationId xmlns:a16="http://schemas.microsoft.com/office/drawing/2014/main" id="{848233F9-8AF6-9CE1-770F-FCCA8047D701}"/>
+              </a:ext>
+            </a:extLst>
+          </p:cNvPr>
+          <p:cNvSpPr txBox="1"/>
+          <p:nvPr/>
+        </p:nvSpPr>
+        <p:spPr>
+          <a:xfrm>
+            <a:off x="669470" y="4845085"/>
+            <a:ext cx="2527300" cy="1015663"/>
+          </a:xfrm>
+          <a:prstGeom prst="rect">
+            <a:avLst/>
+          </a:prstGeom>
+          <a:noFill/>
+        </p:spPr>
+        <p:txBody>
+          <a:bodyPr wrap="square" rtlCol="0">
+            <a:spAutoFit/>
+          </a:bodyPr>
+          <a:lstStyle/>
+          <a:p>
+            <a:pPr algn="ctr"/>
+            <a:r>
+              <a:rPr lang="en-US" sz="3000" b="1" dirty="0">
+                <a:latin typeface="Poppins" panose="00000500000000000000" pitchFamily="2" charset="0"/>
+                <a:cs typeface="Poppins" panose="00000500000000000000" pitchFamily="2" charset="0"/>
+              </a:rPr>
+              <a:t>Continuous </a:t>
+            </a:r>
+          </a:p>
+          <a:p>
+            <a:pPr algn="ctr"/>
+            <a:r>
+              <a:rPr lang="en-US" sz="3000" b="1" dirty="0">
+                <a:latin typeface="Poppins" panose="00000500000000000000" pitchFamily="2" charset="0"/>
+                <a:cs typeface="Poppins" panose="00000500000000000000" pitchFamily="2" charset="0"/>
+              </a:rPr>
+              <a:t>Integration</a:t>
+            </a:r>
+            <a:endParaRPr lang="en-IN" sz="3000" b="1" dirty="0">
+              <a:latin typeface="Poppins" panose="00000500000000000000" pitchFamily="2" charset="0"/>
+              <a:cs typeface="Poppins" panose="00000500000000000000" pitchFamily="2" charset="0"/>
+            </a:endParaRPr>
+          </a:p>
+        </p:txBody>
+      </p:sp>
+      <p:sp>
+        <p:nvSpPr>
+          <p:cNvPr id="14" name="TextBox 13">
+            <a:extLst>
+              <a:ext uri="{FF2B5EF4-FFF2-40B4-BE49-F238E27FC236}">
+                <a16:creationId xmlns:a16="http://schemas.microsoft.com/office/drawing/2014/main" id="{052CDB47-D675-91D0-B427-03006FF58E68}"/>
+              </a:ext>
+            </a:extLst>
+          </p:cNvPr>
+          <p:cNvSpPr txBox="1"/>
+          <p:nvPr/>
+        </p:nvSpPr>
+        <p:spPr>
+          <a:xfrm>
+            <a:off x="4765888" y="4896222"/>
+            <a:ext cx="2573141" cy="1015663"/>
+          </a:xfrm>
+          <a:prstGeom prst="rect">
+            <a:avLst/>
+          </a:prstGeom>
+          <a:noFill/>
+        </p:spPr>
+        <p:txBody>
+          <a:bodyPr wrap="none" rtlCol="0">
+            <a:spAutoFit/>
+          </a:bodyPr>
+          <a:lstStyle/>
+          <a:p>
+            <a:pPr algn="ctr"/>
+            <a:r>
+              <a:rPr lang="en-US" sz="3000" b="1" dirty="0">
+                <a:latin typeface="Poppins" panose="00000500000000000000" pitchFamily="2" charset="0"/>
+                <a:cs typeface="Poppins" panose="00000500000000000000" pitchFamily="2" charset="0"/>
+              </a:rPr>
+              <a:t>Continuous </a:t>
+            </a:r>
+          </a:p>
+          <a:p>
+            <a:pPr algn="ctr"/>
+            <a:r>
+              <a:rPr lang="en-US" sz="3000" b="1" dirty="0">
+                <a:latin typeface="Poppins" panose="00000500000000000000" pitchFamily="2" charset="0"/>
+                <a:cs typeface="Poppins" panose="00000500000000000000" pitchFamily="2" charset="0"/>
+              </a:rPr>
+              <a:t>Delivery</a:t>
+            </a:r>
+            <a:endParaRPr lang="en-IN" sz="3000" b="1" dirty="0">
+              <a:latin typeface="Poppins" panose="00000500000000000000" pitchFamily="2" charset="0"/>
+              <a:cs typeface="Poppins" panose="00000500000000000000" pitchFamily="2" charset="0"/>
+            </a:endParaRPr>
+          </a:p>
+        </p:txBody>
+      </p:sp>
+      <p:sp>
+        <p:nvSpPr>
+          <p:cNvPr id="15" name="TextBox 14">
+            <a:extLst>
+              <a:ext uri="{FF2B5EF4-FFF2-40B4-BE49-F238E27FC236}">
+                <a16:creationId xmlns:a16="http://schemas.microsoft.com/office/drawing/2014/main" id="{436EBFE1-DC47-D8E3-A29F-10FF2AD1ABD0}"/>
+              </a:ext>
+            </a:extLst>
+          </p:cNvPr>
+          <p:cNvSpPr txBox="1"/>
+          <p:nvPr/>
+        </p:nvSpPr>
+        <p:spPr>
+          <a:xfrm>
+            <a:off x="9072753" y="4896222"/>
+            <a:ext cx="2624436" cy="1015663"/>
+          </a:xfrm>
+          <a:prstGeom prst="rect">
+            <a:avLst/>
+          </a:prstGeom>
+          <a:noFill/>
+        </p:spPr>
+        <p:txBody>
+          <a:bodyPr wrap="none" rtlCol="0">
+            <a:spAutoFit/>
+          </a:bodyPr>
+          <a:lstStyle/>
+          <a:p>
+            <a:pPr algn="ctr"/>
+            <a:r>
+              <a:rPr lang="en-US" sz="3000" b="1" dirty="0">
+                <a:latin typeface="Poppins" panose="00000500000000000000" pitchFamily="2" charset="0"/>
+                <a:cs typeface="Poppins" panose="00000500000000000000" pitchFamily="2" charset="0"/>
+              </a:rPr>
+              <a:t>Continuous </a:t>
+            </a:r>
+          </a:p>
+          <a:p>
+            <a:pPr algn="ctr"/>
+            <a:r>
+              <a:rPr lang="en-US" sz="3000" b="1" dirty="0">
+                <a:latin typeface="Poppins" panose="00000500000000000000" pitchFamily="2" charset="0"/>
+                <a:cs typeface="Poppins" panose="00000500000000000000" pitchFamily="2" charset="0"/>
+              </a:rPr>
+              <a:t>Deployment</a:t>
+            </a:r>
+            <a:endParaRPr lang="en-IN" sz="3000" b="1" dirty="0">
+              <a:latin typeface="Poppins" panose="00000500000000000000" pitchFamily="2" charset="0"/>
+              <a:cs typeface="Poppins" panose="00000500000000000000" pitchFamily="2" charset="0"/>
+            </a:endParaRPr>
+          </a:p>
+        </p:txBody>
+      </p:sp>
+      <p:sp>
+        <p:nvSpPr>
+          <p:cNvPr id="16" name="TextBox 15">
+            <a:extLst>
+              <a:ext uri="{FF2B5EF4-FFF2-40B4-BE49-F238E27FC236}">
+                <a16:creationId xmlns:a16="http://schemas.microsoft.com/office/drawing/2014/main" id="{1C452BA3-06A4-992D-8F7B-36741E6F4F7F}"/>
+              </a:ext>
+            </a:extLst>
+          </p:cNvPr>
+          <p:cNvSpPr txBox="1"/>
+          <p:nvPr/>
+        </p:nvSpPr>
+        <p:spPr>
+          <a:xfrm>
+            <a:off x="743858" y="1637057"/>
+            <a:ext cx="9931400" cy="492443"/>
+          </a:xfrm>
+          <a:prstGeom prst="rect">
+            <a:avLst/>
+          </a:prstGeom>
+          <a:noFill/>
+        </p:spPr>
+        <p:txBody>
+          <a:bodyPr wrap="square" rtlCol="0">
+            <a:spAutoFit/>
+          </a:bodyPr>
+          <a:lstStyle/>
+          <a:p>
+            <a:r>
+              <a:rPr lang="en-US" sz="2600" dirty="0">
+                <a:latin typeface="Arial" panose="020B0604020202020204" pitchFamily="34" charset="0"/>
+                <a:cs typeface="Arial" panose="020B0604020202020204" pitchFamily="34" charset="0"/>
+              </a:rPr>
+              <a:t>The lifecycle generally consists of three phases </a:t>
+            </a:r>
+            <a:endParaRPr lang="en-IN" sz="2600" dirty="0">
+              <a:latin typeface="Arial" panose="020B0604020202020204" pitchFamily="34" charset="0"/>
+              <a:cs typeface="Arial" panose="020B0604020202020204" pitchFamily="34" charset="0"/>
+            </a:endParaRPr>
+          </a:p>
+        </p:txBody>
+      </p:sp>
     </p:spTree>
     <p:extLst>
       <p:ext uri="{BB962C8B-B14F-4D97-AF65-F5344CB8AC3E}">
-        <p14:creationId xmlns:p14="http://schemas.microsoft.com/office/powerpoint/2010/main" val="2386821568"/>
+        <p14:creationId xmlns:p14="http://schemas.microsoft.com/office/powerpoint/2010/main" val="3482856022"/>
       </p:ext>
     </p:extLst>
   </p:cSld>
@@ -6656,7 +7143,7 @@
                 <a:latin typeface="Poppins" panose="00000500000000000000" pitchFamily="2" charset="0"/>
                 <a:cs typeface="Poppins" panose="00000500000000000000" pitchFamily="2" charset="0"/>
               </a:rPr>
-              <a:t>After Implementing DevOps:</a:t>
+              <a:t>Life Cycle</a:t>
             </a:r>
             <a:endParaRPr lang="en-IN" sz="5000" b="1" dirty="0">
               <a:solidFill>
@@ -6668,163 +7155,12 @@
           </a:p>
         </p:txBody>
       </p:sp>
-      <p:sp>
-        <p:nvSpPr>
-          <p:cNvPr id="3" name="TextBox 2">
-            <a:extLst>
-              <a:ext uri="{FF2B5EF4-FFF2-40B4-BE49-F238E27FC236}">
-                <a16:creationId xmlns:a16="http://schemas.microsoft.com/office/drawing/2014/main" id="{E03F8917-E61E-AB1A-82AA-B15FD059F028}"/>
-              </a:ext>
-            </a:extLst>
-          </p:cNvPr>
-          <p:cNvSpPr txBox="1"/>
-          <p:nvPr/>
-        </p:nvSpPr>
-        <p:spPr>
-          <a:xfrm>
-            <a:off x="1488189" y="1795358"/>
-            <a:ext cx="9215621" cy="4401205"/>
-          </a:xfrm>
-          <a:prstGeom prst="rect">
-            <a:avLst/>
-          </a:prstGeom>
-          <a:noFill/>
-        </p:spPr>
-        <p:txBody>
-          <a:bodyPr wrap="square">
-            <a:spAutoFit/>
-          </a:bodyPr>
-          <a:lstStyle/>
-          <a:p>
-            <a:r>
-              <a:rPr lang="en-US" sz="2000" b="1" dirty="0">
-                <a:latin typeface="Poppins" panose="00000500000000000000" pitchFamily="2" charset="0"/>
-                <a:cs typeface="Poppins" panose="00000500000000000000" pitchFamily="2" charset="0"/>
-              </a:rPr>
-              <a:t>High Availability &amp; Reliability- </a:t>
-            </a:r>
-            <a:r>
-              <a:rPr lang="en-US" sz="2000" dirty="0"/>
-              <a:t>They're online 99.99% of the time</a:t>
-            </a:r>
-          </a:p>
-          <a:p>
-            <a:endParaRPr lang="en-US" sz="2000" b="1" dirty="0">
-              <a:latin typeface="Poppins" panose="00000500000000000000" pitchFamily="2" charset="0"/>
-              <a:cs typeface="Poppins" panose="00000500000000000000" pitchFamily="2" charset="0"/>
-            </a:endParaRPr>
-          </a:p>
-          <a:p>
-            <a:endParaRPr lang="en-US" sz="2000" b="1" dirty="0">
-              <a:latin typeface="Poppins" panose="00000500000000000000" pitchFamily="2" charset="0"/>
-              <a:cs typeface="Poppins" panose="00000500000000000000" pitchFamily="2" charset="0"/>
-            </a:endParaRPr>
-          </a:p>
-          <a:p>
-            <a:endParaRPr lang="en-US" sz="2000" b="1" dirty="0">
-              <a:latin typeface="Poppins" panose="00000500000000000000" pitchFamily="2" charset="0"/>
-              <a:cs typeface="Poppins" panose="00000500000000000000" pitchFamily="2" charset="0"/>
-            </a:endParaRPr>
-          </a:p>
-          <a:p>
-            <a:r>
-              <a:rPr lang="en-US" sz="2000" b="1" dirty="0">
-                <a:latin typeface="Poppins" panose="00000500000000000000" pitchFamily="2" charset="0"/>
-                <a:cs typeface="Poppins" panose="00000500000000000000" pitchFamily="2" charset="0"/>
-              </a:rPr>
-              <a:t>Faster Deployments - </a:t>
-            </a:r>
-            <a:r>
-              <a:rPr lang="en-US" sz="2000" dirty="0"/>
-              <a:t>They fix 1000’s of bugs and launch updates everyday</a:t>
-            </a:r>
-            <a:endParaRPr lang="en-IN" sz="2000" dirty="0"/>
-          </a:p>
-          <a:p>
-            <a:endParaRPr lang="en-US" sz="2000" b="1" dirty="0">
-              <a:latin typeface="Poppins" panose="00000500000000000000" pitchFamily="2" charset="0"/>
-              <a:cs typeface="Poppins" panose="00000500000000000000" pitchFamily="2" charset="0"/>
-            </a:endParaRPr>
-          </a:p>
-          <a:p>
-            <a:endParaRPr lang="en-US" sz="2000" b="1" dirty="0">
-              <a:latin typeface="Poppins" panose="00000500000000000000" pitchFamily="2" charset="0"/>
-              <a:cs typeface="Poppins" panose="00000500000000000000" pitchFamily="2" charset="0"/>
-            </a:endParaRPr>
-          </a:p>
-          <a:p>
-            <a:r>
-              <a:rPr lang="en-US" sz="2000" b="1" dirty="0">
-                <a:latin typeface="Poppins" panose="00000500000000000000" pitchFamily="2" charset="0"/>
-                <a:cs typeface="Poppins" panose="00000500000000000000" pitchFamily="2" charset="0"/>
-              </a:rPr>
-              <a:t>Improved Scalability- </a:t>
-            </a:r>
-            <a:r>
-              <a:rPr lang="en-US" sz="2000" dirty="0"/>
-              <a:t>Netflix can handle millions of users streaming at the </a:t>
-            </a:r>
-          </a:p>
-          <a:p>
-            <a:r>
-              <a:rPr lang="en-US" sz="2000" dirty="0"/>
-              <a:t>same time</a:t>
-            </a:r>
-            <a:endParaRPr lang="en-US" sz="2000" b="1" dirty="0">
-              <a:latin typeface="Poppins" panose="00000500000000000000" pitchFamily="2" charset="0"/>
-              <a:cs typeface="Poppins" panose="00000500000000000000" pitchFamily="2" charset="0"/>
-            </a:endParaRPr>
-          </a:p>
-          <a:p>
-            <a:endParaRPr lang="en-US" sz="2000" b="1" dirty="0">
-              <a:latin typeface="Poppins" panose="00000500000000000000" pitchFamily="2" charset="0"/>
-              <a:cs typeface="Poppins" panose="00000500000000000000" pitchFamily="2" charset="0"/>
-            </a:endParaRPr>
-          </a:p>
-          <a:p>
-            <a:endParaRPr lang="en-US" sz="2000" b="1" dirty="0">
-              <a:latin typeface="Poppins" panose="00000500000000000000" pitchFamily="2" charset="0"/>
-              <a:cs typeface="Poppins" panose="00000500000000000000" pitchFamily="2" charset="0"/>
-            </a:endParaRPr>
-          </a:p>
-          <a:p>
-            <a:r>
-              <a:rPr lang="en-US" sz="2000" b="1" dirty="0">
-                <a:latin typeface="Poppins" panose="00000500000000000000" pitchFamily="2" charset="0"/>
-                <a:cs typeface="Poppins" panose="00000500000000000000" pitchFamily="2" charset="0"/>
-              </a:rPr>
-              <a:t>Better User Experience- </a:t>
-            </a:r>
-            <a:r>
-              <a:rPr lang="en-US" sz="2000" dirty="0"/>
-              <a:t>Users rarely face issues and if they do, Netflix fixes </a:t>
-            </a:r>
-          </a:p>
-          <a:p>
-            <a:r>
-              <a:rPr lang="en-US" sz="2000" dirty="0"/>
-              <a:t>them on the go using </a:t>
-            </a:r>
-            <a:r>
-              <a:rPr lang="en-US" sz="2000" b="1" dirty="0"/>
-              <a:t>DevOps</a:t>
-            </a:r>
-            <a:endParaRPr lang="en-IN" sz="2000" b="1" dirty="0"/>
-          </a:p>
-          <a:p>
-            <a:endParaRPr lang="en-US" sz="2000" b="1" dirty="0">
-              <a:latin typeface="Poppins" panose="00000500000000000000" pitchFamily="2" charset="0"/>
-              <a:cs typeface="Poppins" panose="00000500000000000000" pitchFamily="2" charset="0"/>
-            </a:endParaRPr>
-          </a:p>
-        </p:txBody>
-      </p:sp>
       <p:pic>
         <p:nvPicPr>
-          <p:cNvPr id="9" name="Graphic 8" descr="Speedometer Low with solid fill">
-            <a:extLst>
-              <a:ext uri="{FF2B5EF4-FFF2-40B4-BE49-F238E27FC236}">
-                <a16:creationId xmlns:a16="http://schemas.microsoft.com/office/drawing/2014/main" id="{8DBE4C81-1944-E32F-1272-C23C36035D24}"/>
+          <p:cNvPr id="3" name="Picture 2" descr="A diagram of a process&#10;&#10;Description automatically generated">
+            <a:extLst>
+              <a:ext uri="{FF2B5EF4-FFF2-40B4-BE49-F238E27FC236}">
+                <a16:creationId xmlns:a16="http://schemas.microsoft.com/office/drawing/2014/main" id="{95EE26F1-EA53-F046-68D8-DD52948F4FB0}"/>
               </a:ext>
             </a:extLst>
           </p:cNvPr>
@@ -6836,163 +7172,18 @@
         <p:blipFill>
           <a:blip r:embed="rId2">
             <a:extLst>
-              <a:ext uri="{96DAC541-7B7A-43D3-8B79-37D633B846F1}">
-                <asvg:svgBlip xmlns:asvg="http://schemas.microsoft.com/office/drawing/2016/SVG/main" r:embed="rId3"/>
+              <a:ext uri="{28A0092B-C50C-407E-A947-70E740481C1C}">
+                <a14:useLocalDpi xmlns:a14="http://schemas.microsoft.com/office/drawing/2010/main" val="0"/>
               </a:ext>
             </a:extLst>
           </a:blip>
-          <a:stretch>
-            <a:fillRect/>
-          </a:stretch>
+          <a:srcRect t="32540" b="23174"/>
+          <a:stretch/>
         </p:blipFill>
         <p:spPr>
           <a:xfrm>
-            <a:off x="573790" y="2623457"/>
-            <a:ext cx="803966" cy="803966"/>
-          </a:xfrm>
-          <a:prstGeom prst="rect">
-            <a:avLst/>
-          </a:prstGeom>
-        </p:spPr>
-      </p:pic>
-      <p:pic>
-        <p:nvPicPr>
-          <p:cNvPr id="14" name="Graphic 13" descr="Thumbs up sign with solid fill">
-            <a:extLst>
-              <a:ext uri="{FF2B5EF4-FFF2-40B4-BE49-F238E27FC236}">
-                <a16:creationId xmlns:a16="http://schemas.microsoft.com/office/drawing/2014/main" id="{9C9B7E72-D846-EC4F-FD2E-E74947D66D85}"/>
-              </a:ext>
-            </a:extLst>
-          </p:cNvPr>
-          <p:cNvPicPr>
-            <a:picLocks noChangeAspect="1"/>
-          </p:cNvPicPr>
-          <p:nvPr/>
-        </p:nvPicPr>
-        <p:blipFill>
-          <a:blip r:embed="rId4">
-            <a:extLst>
-              <a:ext uri="{96DAC541-7B7A-43D3-8B79-37D633B846F1}">
-                <asvg:svgBlip xmlns:asvg="http://schemas.microsoft.com/office/drawing/2016/SVG/main" r:embed="rId5"/>
-              </a:ext>
-            </a:extLst>
-          </a:blip>
-          <a:stretch>
-            <a:fillRect/>
-          </a:stretch>
-        </p:blipFill>
-        <p:spPr>
-          <a:xfrm>
-            <a:off x="573790" y="1448592"/>
-            <a:ext cx="803966" cy="803966"/>
-          </a:xfrm>
-          <a:prstGeom prst="rect">
-            <a:avLst/>
-          </a:prstGeom>
-        </p:spPr>
-      </p:pic>
-      <p:pic>
-        <p:nvPicPr>
-          <p:cNvPr id="16" name="Graphic 15" descr="Box with solid fill">
-            <a:extLst>
-              <a:ext uri="{FF2B5EF4-FFF2-40B4-BE49-F238E27FC236}">
-                <a16:creationId xmlns:a16="http://schemas.microsoft.com/office/drawing/2014/main" id="{4C739293-2585-4119-80D8-9301CBB6C501}"/>
-              </a:ext>
-            </a:extLst>
-          </p:cNvPr>
-          <p:cNvPicPr>
-            <a:picLocks noChangeAspect="1"/>
-          </p:cNvPicPr>
-          <p:nvPr/>
-        </p:nvPicPr>
-        <p:blipFill>
-          <a:blip r:embed="rId6">
-            <a:extLst>
-              <a:ext uri="{96DAC541-7B7A-43D3-8B79-37D633B846F1}">
-                <asvg:svgBlip xmlns:asvg="http://schemas.microsoft.com/office/drawing/2016/SVG/main" r:embed="rId7"/>
-              </a:ext>
-            </a:extLst>
-          </a:blip>
-          <a:stretch>
-            <a:fillRect/>
-          </a:stretch>
-        </p:blipFill>
-        <p:spPr>
-          <a:xfrm>
-            <a:off x="625065" y="3798322"/>
-            <a:ext cx="803966" cy="803966"/>
-          </a:xfrm>
-          <a:prstGeom prst="rect">
-            <a:avLst/>
-          </a:prstGeom>
-        </p:spPr>
-      </p:pic>
-      <p:pic>
-        <p:nvPicPr>
-          <p:cNvPr id="18" name="Graphic 17" descr="Arrow Up with solid fill">
-            <a:extLst>
-              <a:ext uri="{FF2B5EF4-FFF2-40B4-BE49-F238E27FC236}">
-                <a16:creationId xmlns:a16="http://schemas.microsoft.com/office/drawing/2014/main" id="{708D680D-9A8A-0743-504A-B1905B493DAE}"/>
-              </a:ext>
-            </a:extLst>
-          </p:cNvPr>
-          <p:cNvPicPr>
-            <a:picLocks noChangeAspect="1"/>
-          </p:cNvPicPr>
-          <p:nvPr/>
-        </p:nvPicPr>
-        <p:blipFill>
-          <a:blip r:embed="rId8">
-            <a:extLst>
-              <a:ext uri="{96DAC541-7B7A-43D3-8B79-37D633B846F1}">
-                <asvg:svgBlip xmlns:asvg="http://schemas.microsoft.com/office/drawing/2016/SVG/main" r:embed="rId9"/>
-              </a:ext>
-            </a:extLst>
-          </a:blip>
-          <a:stretch>
-            <a:fillRect/>
-          </a:stretch>
-        </p:blipFill>
-        <p:spPr>
-          <a:xfrm>
-            <a:off x="328563" y="3856937"/>
-            <a:ext cx="569506" cy="686736"/>
-          </a:xfrm>
-          <a:prstGeom prst="rect">
-            <a:avLst/>
-          </a:prstGeom>
-        </p:spPr>
-      </p:pic>
-      <p:pic>
-        <p:nvPicPr>
-          <p:cNvPr id="20" name="Graphic 19" descr="User Crown Male outline">
-            <a:extLst>
-              <a:ext uri="{FF2B5EF4-FFF2-40B4-BE49-F238E27FC236}">
-                <a16:creationId xmlns:a16="http://schemas.microsoft.com/office/drawing/2014/main" id="{C86139F5-3A08-4478-2B70-C64E4A93C74D}"/>
-              </a:ext>
-            </a:extLst>
-          </p:cNvPr>
-          <p:cNvPicPr>
-            <a:picLocks noChangeAspect="1"/>
-          </p:cNvPicPr>
-          <p:nvPr/>
-        </p:nvPicPr>
-        <p:blipFill>
-          <a:blip r:embed="rId10">
-            <a:extLst>
-              <a:ext uri="{96DAC541-7B7A-43D3-8B79-37D633B846F1}">
-                <asvg:svgBlip xmlns:asvg="http://schemas.microsoft.com/office/drawing/2016/SVG/main" r:embed="rId11"/>
-              </a:ext>
-            </a:extLst>
-          </a:blip>
-          <a:stretch>
-            <a:fillRect/>
-          </a:stretch>
-        </p:blipFill>
-        <p:spPr>
-          <a:xfrm>
-            <a:off x="573789" y="4973187"/>
-            <a:ext cx="859183" cy="859183"/>
+            <a:off x="952500" y="1910442"/>
+            <a:ext cx="10287000" cy="3037116"/>
           </a:xfrm>
           <a:prstGeom prst="rect">
             <a:avLst/>
@@ -7002,7 +7193,7 @@
     </p:spTree>
     <p:extLst>
       <p:ext uri="{BB962C8B-B14F-4D97-AF65-F5344CB8AC3E}">
-        <p14:creationId xmlns:p14="http://schemas.microsoft.com/office/powerpoint/2010/main" val="2131390952"/>
+        <p14:creationId xmlns:p14="http://schemas.microsoft.com/office/powerpoint/2010/main" val="2347952711"/>
       </p:ext>
     </p:extLst>
   </p:cSld>
